--- a/Misc/Optimal_Arc_Analysis.pptx
+++ b/Misc/Optimal_Arc_Analysis.pptx
@@ -5,10 +5,10 @@
     <p:sldMasterId id="2147483651" r:id="rId1"/>
   </p:sldMasterIdLst>
   <p:notesMasterIdLst>
-    <p:notesMasterId r:id="rId28"/>
+    <p:notesMasterId r:id="rId27"/>
   </p:notesMasterIdLst>
   <p:handoutMasterIdLst>
-    <p:handoutMasterId r:id="rId29"/>
+    <p:handoutMasterId r:id="rId28"/>
   </p:handoutMasterIdLst>
   <p:sldIdLst>
     <p:sldId id="273" r:id="rId2"/>
@@ -36,7 +36,6 @@
     <p:sldId id="301" r:id="rId24"/>
     <p:sldId id="284" r:id="rId25"/>
     <p:sldId id="292" r:id="rId26"/>
-    <p:sldId id="285" r:id="rId27"/>
   </p:sldIdLst>
   <p:sldSz cx="9144000" cy="5143500" type="screen16x9"/>
   <p:notesSz cx="7315200" cy="9601200"/>
@@ -1226,6 +1225,68 @@
               <a:t>‹#›</a:t>
             </a:fld>
             <a:endParaRPr lang="en-US" dirty="0"/>
+          </a:p>
+        </p:txBody>
+      </p:sp>
+      <p:sp>
+        <p:nvSpPr>
+          <p:cNvPr id="3" name="hc"/>
+          <p:cNvSpPr txBox="1"/>
+          <p:nvPr userDrawn="1"/>
+        </p:nvSpPr>
+        <p:spPr>
+          <a:xfrm>
+            <a:off x="0" y="0"/>
+            <a:ext cx="9144000" cy="400110"/>
+          </a:xfrm>
+          <a:prstGeom prst="rect">
+            <a:avLst/>
+          </a:prstGeom>
+          <a:noFill/>
+        </p:spPr>
+        <p:txBody>
+          <a:bodyPr vert="horz" wrap="none" rtlCol="0">
+            <a:spAutoFit/>
+          </a:bodyPr>
+          <a:lstStyle/>
+          <a:p>
+            <a:endParaRPr lang="en-US" sz="2000" b="1" dirty="0">
+              <a:solidFill>
+                <a:srgbClr val="000000"/>
+              </a:solidFill>
+              <a:latin typeface="Calibri" panose="020F0502020204030204" pitchFamily="34" charset="0"/>
+            </a:endParaRPr>
+          </a:p>
+        </p:txBody>
+      </p:sp>
+      <p:sp>
+        <p:nvSpPr>
+          <p:cNvPr id="4" name="fc"/>
+          <p:cNvSpPr txBox="1"/>
+          <p:nvPr userDrawn="1"/>
+        </p:nvSpPr>
+        <p:spPr>
+          <a:xfrm>
+            <a:off x="0" y="4775200"/>
+            <a:ext cx="9144000" cy="400110"/>
+          </a:xfrm>
+          <a:prstGeom prst="rect">
+            <a:avLst/>
+          </a:prstGeom>
+          <a:noFill/>
+        </p:spPr>
+        <p:txBody>
+          <a:bodyPr vert="horz" wrap="none" rtlCol="0">
+            <a:spAutoFit/>
+          </a:bodyPr>
+          <a:lstStyle/>
+          <a:p>
+            <a:endParaRPr lang="en-US" sz="2000" b="1" dirty="0">
+              <a:solidFill>
+                <a:srgbClr val="000000"/>
+              </a:solidFill>
+              <a:latin typeface="Calibri" panose="020F0502020204030204" pitchFamily="34" charset="0"/>
+            </a:endParaRPr>
           </a:p>
         </p:txBody>
       </p:sp>
@@ -3071,8 +3132,8 @@
           </a:p>
         </p:txBody>
       </p:sp>
-      <mc:AlternateContent xmlns:mc="http://schemas.openxmlformats.org/markup-compatibility/2006">
-        <mc:Choice xmlns:a14="http://schemas.microsoft.com/office/drawing/2010/main" Requires="a14">
+      <mc:AlternateContent xmlns:mc="http://schemas.openxmlformats.org/markup-compatibility/2006" xmlns:a14="http://schemas.microsoft.com/office/drawing/2010/main">
+        <mc:Choice Requires="a14">
           <p:sp>
             <p:nvSpPr>
               <p:cNvPr id="9" name="TextBox 8">
@@ -3334,7 +3395,7 @@
             </p:txBody>
           </p:sp>
         </mc:Choice>
-        <mc:Fallback>
+        <mc:Fallback xmlns="">
           <p:sp>
             <p:nvSpPr>
               <p:cNvPr id="9" name="TextBox 8">
@@ -3379,8 +3440,8 @@
           </p:sp>
         </mc:Fallback>
       </mc:AlternateContent>
-      <mc:AlternateContent xmlns:mc="http://schemas.openxmlformats.org/markup-compatibility/2006">
-        <mc:Choice xmlns:a14="http://schemas.microsoft.com/office/drawing/2010/main" Requires="a14">
+      <mc:AlternateContent xmlns:mc="http://schemas.openxmlformats.org/markup-compatibility/2006" xmlns:a14="http://schemas.microsoft.com/office/drawing/2010/main">
+        <mc:Choice Requires="a14">
           <p:sp>
             <p:nvSpPr>
               <p:cNvPr id="10" name="TextBox 9">
@@ -3561,7 +3622,7 @@
             </p:txBody>
           </p:sp>
         </mc:Choice>
-        <mc:Fallback>
+        <mc:Fallback xmlns="">
           <p:sp>
             <p:nvSpPr>
               <p:cNvPr id="10" name="TextBox 9">
@@ -3865,6 +3926,13 @@
   <p:clrMapOvr>
     <a:masterClrMapping/>
   </p:clrMapOvr>
+  <p:timing>
+    <p:tnLst>
+      <p:par>
+        <p:cTn id="1" dur="indefinite" restart="never" nodeType="tmRoot"/>
+      </p:par>
+    </p:tnLst>
+  </p:timing>
 </p:sld>
 </file>
 
@@ -3918,8 +3986,8 @@
           </a:p>
         </p:txBody>
       </p:sp>
-      <mc:AlternateContent xmlns:mc="http://schemas.openxmlformats.org/markup-compatibility/2006">
-        <mc:Choice xmlns:a14="http://schemas.microsoft.com/office/drawing/2010/main" Requires="a14">
+      <mc:AlternateContent xmlns:mc="http://schemas.openxmlformats.org/markup-compatibility/2006" xmlns:a14="http://schemas.microsoft.com/office/drawing/2010/main">
+        <mc:Choice Requires="a14">
           <p:sp>
             <p:nvSpPr>
               <p:cNvPr id="4" name="TextBox 3">
@@ -4063,7 +4131,7 @@
             </p:txBody>
           </p:sp>
         </mc:Choice>
-        <mc:Fallback>
+        <mc:Fallback xmlns="">
           <p:sp>
             <p:nvSpPr>
               <p:cNvPr id="4" name="TextBox 3">
@@ -4165,6 +4233,13 @@
   <p:clrMapOvr>
     <a:masterClrMapping/>
   </p:clrMapOvr>
+  <p:timing>
+    <p:tnLst>
+      <p:par>
+        <p:cTn id="1" dur="indefinite" restart="never" nodeType="tmRoot"/>
+      </p:par>
+    </p:tnLst>
+  </p:timing>
 </p:sld>
 </file>
 
@@ -4291,8 +4366,8 @@
           </a:p>
         </p:txBody>
       </p:sp>
-      <mc:AlternateContent xmlns:mc="http://schemas.openxmlformats.org/markup-compatibility/2006">
-        <mc:Choice xmlns:a14="http://schemas.microsoft.com/office/drawing/2010/main" Requires="a14">
+      <mc:AlternateContent xmlns:mc="http://schemas.openxmlformats.org/markup-compatibility/2006" xmlns:a14="http://schemas.microsoft.com/office/drawing/2010/main">
+        <mc:Choice Requires="a14">
           <p:sp>
             <p:nvSpPr>
               <p:cNvPr id="13" name="TextBox 12">
@@ -4520,7 +4595,7 @@
             </p:txBody>
           </p:sp>
         </mc:Choice>
-        <mc:Fallback>
+        <mc:Fallback xmlns="">
           <p:sp>
             <p:nvSpPr>
               <p:cNvPr id="13" name="TextBox 12">
@@ -4602,8 +4677,8 @@
           </a:p>
         </p:txBody>
       </p:sp>
-      <mc:AlternateContent xmlns:mc="http://schemas.openxmlformats.org/markup-compatibility/2006">
-        <mc:Choice xmlns:a14="http://schemas.microsoft.com/office/drawing/2010/main" Requires="a14">
+      <mc:AlternateContent xmlns:mc="http://schemas.openxmlformats.org/markup-compatibility/2006" xmlns:a14="http://schemas.microsoft.com/office/drawing/2010/main">
+        <mc:Choice Requires="a14">
           <p:sp>
             <p:nvSpPr>
               <p:cNvPr id="15" name="TextBox 14">
@@ -4830,7 +4905,7 @@
             </p:txBody>
           </p:sp>
         </mc:Choice>
-        <mc:Fallback>
+        <mc:Fallback xmlns="">
           <p:sp>
             <p:nvSpPr>
               <p:cNvPr id="15" name="TextBox 14">
@@ -4885,6 +4960,13 @@
   <p:clrMapOvr>
     <a:masterClrMapping/>
   </p:clrMapOvr>
+  <p:timing>
+    <p:tnLst>
+      <p:par>
+        <p:cTn id="1" dur="indefinite" restart="never" nodeType="tmRoot"/>
+      </p:par>
+    </p:tnLst>
+  </p:timing>
 </p:sld>
 </file>
 
@@ -4938,8 +5020,8 @@
           </a:p>
         </p:txBody>
       </p:sp>
-      <mc:AlternateContent xmlns:mc="http://schemas.openxmlformats.org/markup-compatibility/2006">
-        <mc:Choice xmlns:a14="http://schemas.microsoft.com/office/drawing/2010/main" Requires="a14">
+      <mc:AlternateContent xmlns:mc="http://schemas.openxmlformats.org/markup-compatibility/2006" xmlns:a14="http://schemas.microsoft.com/office/drawing/2010/main">
+        <mc:Choice Requires="a14">
           <p:sp>
             <p:nvSpPr>
               <p:cNvPr id="4" name="TextBox 3">
@@ -5083,7 +5165,7 @@
             </p:txBody>
           </p:sp>
         </mc:Choice>
-        <mc:Fallback>
+        <mc:Fallback xmlns="">
           <p:sp>
             <p:nvSpPr>
               <p:cNvPr id="4" name="TextBox 3">
@@ -5128,8 +5210,8 @@
           </p:sp>
         </mc:Fallback>
       </mc:AlternateContent>
-      <mc:AlternateContent xmlns:mc="http://schemas.openxmlformats.org/markup-compatibility/2006">
-        <mc:Choice xmlns:a14="http://schemas.microsoft.com/office/drawing/2010/main" Requires="a14">
+      <mc:AlternateContent xmlns:mc="http://schemas.openxmlformats.org/markup-compatibility/2006" xmlns:a14="http://schemas.microsoft.com/office/drawing/2010/main">
+        <mc:Choice Requires="a14">
           <p:sp>
             <p:nvSpPr>
               <p:cNvPr id="5" name="TextBox 4">
@@ -5273,7 +5355,7 @@
             </p:txBody>
           </p:sp>
         </mc:Choice>
-        <mc:Fallback>
+        <mc:Fallback xmlns="">
           <p:sp>
             <p:nvSpPr>
               <p:cNvPr id="5" name="TextBox 4">
@@ -5318,8 +5400,8 @@
           </p:sp>
         </mc:Fallback>
       </mc:AlternateContent>
-      <mc:AlternateContent xmlns:mc="http://schemas.openxmlformats.org/markup-compatibility/2006">
-        <mc:Choice xmlns:a14="http://schemas.microsoft.com/office/drawing/2010/main" Requires="a14">
+      <mc:AlternateContent xmlns:mc="http://schemas.openxmlformats.org/markup-compatibility/2006" xmlns:a14="http://schemas.microsoft.com/office/drawing/2010/main">
+        <mc:Choice Requires="a14">
           <p:sp>
             <p:nvSpPr>
               <p:cNvPr id="15" name="TextBox 14">
@@ -5396,7 +5478,7 @@
             </p:txBody>
           </p:sp>
         </mc:Choice>
-        <mc:Fallback>
+        <mc:Fallback xmlns="">
           <p:sp>
             <p:nvSpPr>
               <p:cNvPr id="15" name="TextBox 14">
@@ -5441,8 +5523,8 @@
           </p:sp>
         </mc:Fallback>
       </mc:AlternateContent>
-      <mc:AlternateContent xmlns:mc="http://schemas.openxmlformats.org/markup-compatibility/2006">
-        <mc:Choice xmlns:a14="http://schemas.microsoft.com/office/drawing/2010/main" Requires="a14">
+      <mc:AlternateContent xmlns:mc="http://schemas.openxmlformats.org/markup-compatibility/2006" xmlns:a14="http://schemas.microsoft.com/office/drawing/2010/main">
+        <mc:Choice Requires="a14">
           <p:sp>
             <p:nvSpPr>
               <p:cNvPr id="16" name="TextBox 15">
@@ -5519,7 +5601,7 @@
             </p:txBody>
           </p:sp>
         </mc:Choice>
-        <mc:Fallback>
+        <mc:Fallback xmlns="">
           <p:sp>
             <p:nvSpPr>
               <p:cNvPr id="16" name="TextBox 15">
@@ -5564,8 +5646,8 @@
           </p:sp>
         </mc:Fallback>
       </mc:AlternateContent>
-      <mc:AlternateContent xmlns:mc="http://schemas.openxmlformats.org/markup-compatibility/2006">
-        <mc:Choice xmlns:a14="http://schemas.microsoft.com/office/drawing/2010/main" Requires="a14">
+      <mc:AlternateContent xmlns:mc="http://schemas.openxmlformats.org/markup-compatibility/2006" xmlns:a14="http://schemas.microsoft.com/office/drawing/2010/main">
+        <mc:Choice Requires="a14">
           <p:sp>
             <p:nvSpPr>
               <p:cNvPr id="18" name="TextBox 17">
@@ -5642,7 +5724,7 @@
             </p:txBody>
           </p:sp>
         </mc:Choice>
-        <mc:Fallback>
+        <mc:Fallback xmlns="">
           <p:sp>
             <p:nvSpPr>
               <p:cNvPr id="18" name="TextBox 17">
@@ -5885,6 +5967,13 @@
   <p:clrMapOvr>
     <a:masterClrMapping/>
   </p:clrMapOvr>
+  <p:timing>
+    <p:tnLst>
+      <p:par>
+        <p:cTn id="1" dur="indefinite" restart="never" nodeType="tmRoot"/>
+      </p:par>
+    </p:tnLst>
+  </p:timing>
 </p:sld>
 </file>
 
@@ -6610,8 +6699,8 @@
           </p:sp>
         </mc:Fallback>
       </mc:AlternateContent>
-      <mc:AlternateContent xmlns:mc="http://schemas.openxmlformats.org/markup-compatibility/2006">
-        <mc:Choice xmlns:a14="http://schemas.microsoft.com/office/drawing/2010/main" Requires="a14">
+      <mc:AlternateContent xmlns:mc="http://schemas.openxmlformats.org/markup-compatibility/2006" xmlns:a14="http://schemas.microsoft.com/office/drawing/2010/main">
+        <mc:Choice Requires="a14">
           <p:sp>
             <p:nvSpPr>
               <p:cNvPr id="7" name="TextBox 6">
@@ -6762,7 +6851,7 @@
             </p:txBody>
           </p:sp>
         </mc:Choice>
-        <mc:Fallback>
+        <mc:Fallback xmlns="">
           <p:sp>
             <p:nvSpPr>
               <p:cNvPr id="7" name="TextBox 6">
@@ -6844,8 +6933,8 @@
           </a:p>
         </p:txBody>
       </p:sp>
-      <mc:AlternateContent xmlns:mc="http://schemas.openxmlformats.org/markup-compatibility/2006">
-        <mc:Choice xmlns:a14="http://schemas.microsoft.com/office/drawing/2010/main" Requires="a14">
+      <mc:AlternateContent xmlns:mc="http://schemas.openxmlformats.org/markup-compatibility/2006" xmlns:a14="http://schemas.microsoft.com/office/drawing/2010/main">
+        <mc:Choice Requires="a14">
           <p:sp>
             <p:nvSpPr>
               <p:cNvPr id="9" name="TextBox 8">
@@ -6940,7 +7029,7 @@
             </p:txBody>
           </p:sp>
         </mc:Choice>
-        <mc:Fallback>
+        <mc:Fallback xmlns="">
           <p:sp>
             <p:nvSpPr>
               <p:cNvPr id="9" name="TextBox 8">
@@ -6995,6 +7084,13 @@
   <p:clrMapOvr>
     <a:masterClrMapping/>
   </p:clrMapOvr>
+  <p:timing>
+    <p:tnLst>
+      <p:par>
+        <p:cTn id="1" dur="indefinite" restart="never" nodeType="tmRoot"/>
+      </p:par>
+    </p:tnLst>
+  </p:timing>
 </p:sld>
 </file>
 
@@ -7048,8 +7144,8 @@
           </a:p>
         </p:txBody>
       </p:sp>
-      <mc:AlternateContent xmlns:mc="http://schemas.openxmlformats.org/markup-compatibility/2006">
-        <mc:Choice xmlns:a14="http://schemas.microsoft.com/office/drawing/2010/main" Requires="a14">
+      <mc:AlternateContent xmlns:mc="http://schemas.openxmlformats.org/markup-compatibility/2006" xmlns:a14="http://schemas.microsoft.com/office/drawing/2010/main">
+        <mc:Choice Requires="a14">
           <p:sp>
             <p:nvSpPr>
               <p:cNvPr id="4" name="TextBox 3">
@@ -7174,7 +7270,7 @@
             </p:txBody>
           </p:sp>
         </mc:Choice>
-        <mc:Fallback>
+        <mc:Fallback xmlns="">
           <p:sp>
             <p:nvSpPr>
               <p:cNvPr id="4" name="TextBox 3">
@@ -7595,8 +7691,8 @@
           </a:extLst>
         </p:spPr>
       </p:pic>
-      <mc:AlternateContent xmlns:mc="http://schemas.openxmlformats.org/markup-compatibility/2006">
-        <mc:Choice xmlns:a14="http://schemas.microsoft.com/office/drawing/2010/main" Requires="a14">
+      <mc:AlternateContent xmlns:mc="http://schemas.openxmlformats.org/markup-compatibility/2006" xmlns:a14="http://schemas.microsoft.com/office/drawing/2010/main">
+        <mc:Choice Requires="a14">
           <p:sp>
             <p:nvSpPr>
               <p:cNvPr id="13" name="TextBox 12">
@@ -7673,7 +7769,7 @@
             </p:txBody>
           </p:sp>
         </mc:Choice>
-        <mc:Fallback>
+        <mc:Fallback xmlns="">
           <p:sp>
             <p:nvSpPr>
               <p:cNvPr id="13" name="TextBox 12">
@@ -7718,8 +7814,8 @@
           </p:sp>
         </mc:Fallback>
       </mc:AlternateContent>
-      <mc:AlternateContent xmlns:mc="http://schemas.openxmlformats.org/markup-compatibility/2006">
-        <mc:Choice xmlns:a14="http://schemas.microsoft.com/office/drawing/2010/main" Requires="a14">
+      <mc:AlternateContent xmlns:mc="http://schemas.openxmlformats.org/markup-compatibility/2006" xmlns:a14="http://schemas.microsoft.com/office/drawing/2010/main">
+        <mc:Choice Requires="a14">
           <p:sp>
             <p:nvSpPr>
               <p:cNvPr id="14" name="TextBox 13">
@@ -7796,7 +7892,7 @@
             </p:txBody>
           </p:sp>
         </mc:Choice>
-        <mc:Fallback>
+        <mc:Fallback xmlns="">
           <p:sp>
             <p:nvSpPr>
               <p:cNvPr id="14" name="TextBox 13">
@@ -7841,8 +7937,8 @@
           </p:sp>
         </mc:Fallback>
       </mc:AlternateContent>
-      <mc:AlternateContent xmlns:mc="http://schemas.openxmlformats.org/markup-compatibility/2006">
-        <mc:Choice xmlns:a14="http://schemas.microsoft.com/office/drawing/2010/main" Requires="a14">
+      <mc:AlternateContent xmlns:mc="http://schemas.openxmlformats.org/markup-compatibility/2006" xmlns:a14="http://schemas.microsoft.com/office/drawing/2010/main">
+        <mc:Choice Requires="a14">
           <p:sp>
             <p:nvSpPr>
               <p:cNvPr id="17" name="TextBox 16">
@@ -7919,7 +8015,7 @@
             </p:txBody>
           </p:sp>
         </mc:Choice>
-        <mc:Fallback>
+        <mc:Fallback xmlns="">
           <p:sp>
             <p:nvSpPr>
               <p:cNvPr id="17" name="TextBox 16">
@@ -7964,8 +8060,8 @@
           </p:sp>
         </mc:Fallback>
       </mc:AlternateContent>
-      <mc:AlternateContent xmlns:mc="http://schemas.openxmlformats.org/markup-compatibility/2006">
-        <mc:Choice xmlns:a14="http://schemas.microsoft.com/office/drawing/2010/main" Requires="a14">
+      <mc:AlternateContent xmlns:mc="http://schemas.openxmlformats.org/markup-compatibility/2006" xmlns:a14="http://schemas.microsoft.com/office/drawing/2010/main">
+        <mc:Choice Requires="a14">
           <p:sp>
             <p:nvSpPr>
               <p:cNvPr id="18" name="TextBox 17">
@@ -8042,7 +8138,7 @@
             </p:txBody>
           </p:sp>
         </mc:Choice>
-        <mc:Fallback>
+        <mc:Fallback xmlns="">
           <p:sp>
             <p:nvSpPr>
               <p:cNvPr id="18" name="TextBox 17">
@@ -8087,8 +8183,8 @@
           </p:sp>
         </mc:Fallback>
       </mc:AlternateContent>
-      <mc:AlternateContent xmlns:mc="http://schemas.openxmlformats.org/markup-compatibility/2006">
-        <mc:Choice xmlns:a14="http://schemas.microsoft.com/office/drawing/2010/main" Requires="a14">
+      <mc:AlternateContent xmlns:mc="http://schemas.openxmlformats.org/markup-compatibility/2006" xmlns:a14="http://schemas.microsoft.com/office/drawing/2010/main">
+        <mc:Choice Requires="a14">
           <p:sp>
             <p:nvSpPr>
               <p:cNvPr id="19" name="TextBox 18">
@@ -8165,7 +8261,7 @@
             </p:txBody>
           </p:sp>
         </mc:Choice>
-        <mc:Fallback>
+        <mc:Fallback xmlns="">
           <p:sp>
             <p:nvSpPr>
               <p:cNvPr id="19" name="TextBox 18">
@@ -8210,8 +8306,8 @@
           </p:sp>
         </mc:Fallback>
       </mc:AlternateContent>
-      <mc:AlternateContent xmlns:mc="http://schemas.openxmlformats.org/markup-compatibility/2006">
-        <mc:Choice xmlns:a14="http://schemas.microsoft.com/office/drawing/2010/main" Requires="a14">
+      <mc:AlternateContent xmlns:mc="http://schemas.openxmlformats.org/markup-compatibility/2006" xmlns:a14="http://schemas.microsoft.com/office/drawing/2010/main">
+        <mc:Choice Requires="a14">
           <p:sp>
             <p:nvSpPr>
               <p:cNvPr id="20" name="TextBox 19">
@@ -8288,7 +8384,7 @@
             </p:txBody>
           </p:sp>
         </mc:Choice>
-        <mc:Fallback>
+        <mc:Fallback xmlns="">
           <p:sp>
             <p:nvSpPr>
               <p:cNvPr id="20" name="TextBox 19">
@@ -8333,8 +8429,8 @@
           </p:sp>
         </mc:Fallback>
       </mc:AlternateContent>
-      <mc:AlternateContent xmlns:mc="http://schemas.openxmlformats.org/markup-compatibility/2006">
-        <mc:Choice xmlns:a14="http://schemas.microsoft.com/office/drawing/2010/main" Requires="a14">
+      <mc:AlternateContent xmlns:mc="http://schemas.openxmlformats.org/markup-compatibility/2006" xmlns:a14="http://schemas.microsoft.com/office/drawing/2010/main">
+        <mc:Choice Requires="a14">
           <p:sp>
             <p:nvSpPr>
               <p:cNvPr id="21" name="TextBox 20">
@@ -8411,7 +8507,7 @@
             </p:txBody>
           </p:sp>
         </mc:Choice>
-        <mc:Fallback>
+        <mc:Fallback xmlns="">
           <p:sp>
             <p:nvSpPr>
               <p:cNvPr id="21" name="TextBox 20">
@@ -8466,6 +8562,13 @@
   <p:clrMapOvr>
     <a:masterClrMapping/>
   </p:clrMapOvr>
+  <p:timing>
+    <p:tnLst>
+      <p:par>
+        <p:cTn id="1" dur="indefinite" restart="never" nodeType="tmRoot"/>
+      </p:par>
+    </p:tnLst>
+  </p:timing>
 </p:sld>
 </file>
 
@@ -8552,8 +8655,8 @@
           </a:p>
         </p:txBody>
       </p:sp>
-      <mc:AlternateContent xmlns:mc="http://schemas.openxmlformats.org/markup-compatibility/2006">
-        <mc:Choice xmlns:a14="http://schemas.microsoft.com/office/drawing/2010/main" Requires="a14">
+      <mc:AlternateContent xmlns:mc="http://schemas.openxmlformats.org/markup-compatibility/2006" xmlns:a14="http://schemas.microsoft.com/office/drawing/2010/main">
+        <mc:Choice Requires="a14">
           <p:sp>
             <p:nvSpPr>
               <p:cNvPr id="4" name="TextBox 3">
@@ -8682,7 +8785,7 @@
             </p:txBody>
           </p:sp>
         </mc:Choice>
-        <mc:Fallback>
+        <mc:Fallback xmlns="">
           <p:sp>
             <p:nvSpPr>
               <p:cNvPr id="4" name="TextBox 3">
@@ -8764,8 +8867,8 @@
           </a:p>
         </p:txBody>
       </p:sp>
-      <mc:AlternateContent xmlns:mc="http://schemas.openxmlformats.org/markup-compatibility/2006">
-        <mc:Choice xmlns:a14="http://schemas.microsoft.com/office/drawing/2010/main" Requires="a14">
+      <mc:AlternateContent xmlns:mc="http://schemas.openxmlformats.org/markup-compatibility/2006" xmlns:a14="http://schemas.microsoft.com/office/drawing/2010/main">
+        <mc:Choice Requires="a14">
           <p:sp>
             <p:nvSpPr>
               <p:cNvPr id="6" name="TextBox 5">
@@ -8892,7 +8995,7 @@
             </p:txBody>
           </p:sp>
         </mc:Choice>
-        <mc:Fallback>
+        <mc:Fallback xmlns="">
           <p:sp>
             <p:nvSpPr>
               <p:cNvPr id="6" name="TextBox 5">
@@ -9184,8 +9287,8 @@
           </a:p>
         </p:txBody>
       </p:sp>
-      <mc:AlternateContent xmlns:mc="http://schemas.openxmlformats.org/markup-compatibility/2006">
-        <mc:Choice xmlns:a14="http://schemas.microsoft.com/office/drawing/2010/main" Requires="a14">
+      <mc:AlternateContent xmlns:mc="http://schemas.openxmlformats.org/markup-compatibility/2006" xmlns:a14="http://schemas.microsoft.com/office/drawing/2010/main">
+        <mc:Choice Requires="a14">
           <p:sp>
             <p:nvSpPr>
               <p:cNvPr id="8" name="TextBox 7">
@@ -9299,7 +9402,7 @@
             </p:txBody>
           </p:sp>
         </mc:Choice>
-        <mc:Fallback>
+        <mc:Fallback xmlns="">
           <p:sp>
             <p:nvSpPr>
               <p:cNvPr id="8" name="TextBox 7">
@@ -9381,8 +9484,8 @@
           </a:p>
         </p:txBody>
       </p:sp>
-      <mc:AlternateContent xmlns:mc="http://schemas.openxmlformats.org/markup-compatibility/2006">
-        <mc:Choice xmlns:a14="http://schemas.microsoft.com/office/drawing/2010/main" Requires="a14">
+      <mc:AlternateContent xmlns:mc="http://schemas.openxmlformats.org/markup-compatibility/2006" xmlns:a14="http://schemas.microsoft.com/office/drawing/2010/main">
+        <mc:Choice Requires="a14">
           <p:sp>
             <p:nvSpPr>
               <p:cNvPr id="10" name="TextBox 9">
@@ -9509,7 +9612,7 @@
             </p:txBody>
           </p:sp>
         </mc:Choice>
-        <mc:Fallback>
+        <mc:Fallback xmlns="">
           <p:sp>
             <p:nvSpPr>
               <p:cNvPr id="10" name="TextBox 9">
@@ -9564,6 +9667,13 @@
   <p:clrMapOvr>
     <a:masterClrMapping/>
   </p:clrMapOvr>
+  <p:timing>
+    <p:tnLst>
+      <p:par>
+        <p:cTn id="1" dur="indefinite" restart="never" nodeType="tmRoot"/>
+      </p:par>
+    </p:tnLst>
+  </p:timing>
 </p:sld>
 </file>
 
@@ -9617,8 +9727,8 @@
           </a:p>
         </p:txBody>
       </p:sp>
-      <mc:AlternateContent xmlns:mc="http://schemas.openxmlformats.org/markup-compatibility/2006">
-        <mc:Choice xmlns:a14="http://schemas.microsoft.com/office/drawing/2010/main" Requires="a14">
+      <mc:AlternateContent xmlns:mc="http://schemas.openxmlformats.org/markup-compatibility/2006" xmlns:a14="http://schemas.microsoft.com/office/drawing/2010/main">
+        <mc:Choice Requires="a14">
           <p:sp>
             <p:nvSpPr>
               <p:cNvPr id="4" name="TextBox 3">
@@ -9762,7 +9872,7 @@
             </p:txBody>
           </p:sp>
         </mc:Choice>
-        <mc:Fallback>
+        <mc:Fallback xmlns="">
           <p:sp>
             <p:nvSpPr>
               <p:cNvPr id="4" name="TextBox 3">
@@ -10183,8 +10293,8 @@
           </a:extLst>
         </p:spPr>
       </p:pic>
-      <mc:AlternateContent xmlns:mc="http://schemas.openxmlformats.org/markup-compatibility/2006">
-        <mc:Choice xmlns:a14="http://schemas.microsoft.com/office/drawing/2010/main" Requires="a14">
+      <mc:AlternateContent xmlns:mc="http://schemas.openxmlformats.org/markup-compatibility/2006" xmlns:a14="http://schemas.microsoft.com/office/drawing/2010/main">
+        <mc:Choice Requires="a14">
           <p:sp>
             <p:nvSpPr>
               <p:cNvPr id="22" name="TextBox 21">
@@ -10261,7 +10371,7 @@
             </p:txBody>
           </p:sp>
         </mc:Choice>
-        <mc:Fallback>
+        <mc:Fallback xmlns="">
           <p:sp>
             <p:nvSpPr>
               <p:cNvPr id="22" name="TextBox 21">
@@ -10306,8 +10416,8 @@
           </p:sp>
         </mc:Fallback>
       </mc:AlternateContent>
-      <mc:AlternateContent xmlns:mc="http://schemas.openxmlformats.org/markup-compatibility/2006">
-        <mc:Choice xmlns:a14="http://schemas.microsoft.com/office/drawing/2010/main" Requires="a14">
+      <mc:AlternateContent xmlns:mc="http://schemas.openxmlformats.org/markup-compatibility/2006" xmlns:a14="http://schemas.microsoft.com/office/drawing/2010/main">
+        <mc:Choice Requires="a14">
           <p:sp>
             <p:nvSpPr>
               <p:cNvPr id="23" name="TextBox 22">
@@ -10384,7 +10494,7 @@
             </p:txBody>
           </p:sp>
         </mc:Choice>
-        <mc:Fallback>
+        <mc:Fallback xmlns="">
           <p:sp>
             <p:nvSpPr>
               <p:cNvPr id="23" name="TextBox 22">
@@ -10429,8 +10539,8 @@
           </p:sp>
         </mc:Fallback>
       </mc:AlternateContent>
-      <mc:AlternateContent xmlns:mc="http://schemas.openxmlformats.org/markup-compatibility/2006">
-        <mc:Choice xmlns:a14="http://schemas.microsoft.com/office/drawing/2010/main" Requires="a14">
+      <mc:AlternateContent xmlns:mc="http://schemas.openxmlformats.org/markup-compatibility/2006" xmlns:a14="http://schemas.microsoft.com/office/drawing/2010/main">
+        <mc:Choice Requires="a14">
           <p:sp>
             <p:nvSpPr>
               <p:cNvPr id="24" name="TextBox 23">
@@ -10507,7 +10617,7 @@
             </p:txBody>
           </p:sp>
         </mc:Choice>
-        <mc:Fallback>
+        <mc:Fallback xmlns="">
           <p:sp>
             <p:nvSpPr>
               <p:cNvPr id="24" name="TextBox 23">
@@ -10552,8 +10662,8 @@
           </p:sp>
         </mc:Fallback>
       </mc:AlternateContent>
-      <mc:AlternateContent xmlns:mc="http://schemas.openxmlformats.org/markup-compatibility/2006">
-        <mc:Choice xmlns:a14="http://schemas.microsoft.com/office/drawing/2010/main" Requires="a14">
+      <mc:AlternateContent xmlns:mc="http://schemas.openxmlformats.org/markup-compatibility/2006" xmlns:a14="http://schemas.microsoft.com/office/drawing/2010/main">
+        <mc:Choice Requires="a14">
           <p:sp>
             <p:nvSpPr>
               <p:cNvPr id="25" name="TextBox 24">
@@ -10630,7 +10740,7 @@
             </p:txBody>
           </p:sp>
         </mc:Choice>
-        <mc:Fallback>
+        <mc:Fallback xmlns="">
           <p:sp>
             <p:nvSpPr>
               <p:cNvPr id="25" name="TextBox 24">
@@ -10675,8 +10785,8 @@
           </p:sp>
         </mc:Fallback>
       </mc:AlternateContent>
-      <mc:AlternateContent xmlns:mc="http://schemas.openxmlformats.org/markup-compatibility/2006">
-        <mc:Choice xmlns:a14="http://schemas.microsoft.com/office/drawing/2010/main" Requires="a14">
+      <mc:AlternateContent xmlns:mc="http://schemas.openxmlformats.org/markup-compatibility/2006" xmlns:a14="http://schemas.microsoft.com/office/drawing/2010/main">
+        <mc:Choice Requires="a14">
           <p:sp>
             <p:nvSpPr>
               <p:cNvPr id="26" name="TextBox 25">
@@ -10753,7 +10863,7 @@
             </p:txBody>
           </p:sp>
         </mc:Choice>
-        <mc:Fallback>
+        <mc:Fallback xmlns="">
           <p:sp>
             <p:nvSpPr>
               <p:cNvPr id="26" name="TextBox 25">
@@ -10798,8 +10908,8 @@
           </p:sp>
         </mc:Fallback>
       </mc:AlternateContent>
-      <mc:AlternateContent xmlns:mc="http://schemas.openxmlformats.org/markup-compatibility/2006">
-        <mc:Choice xmlns:a14="http://schemas.microsoft.com/office/drawing/2010/main" Requires="a14">
+      <mc:AlternateContent xmlns:mc="http://schemas.openxmlformats.org/markup-compatibility/2006" xmlns:a14="http://schemas.microsoft.com/office/drawing/2010/main">
+        <mc:Choice Requires="a14">
           <p:sp>
             <p:nvSpPr>
               <p:cNvPr id="27" name="TextBox 26">
@@ -10876,7 +10986,7 @@
             </p:txBody>
           </p:sp>
         </mc:Choice>
-        <mc:Fallback>
+        <mc:Fallback xmlns="">
           <p:sp>
             <p:nvSpPr>
               <p:cNvPr id="27" name="TextBox 26">
@@ -10921,8 +11031,8 @@
           </p:sp>
         </mc:Fallback>
       </mc:AlternateContent>
-      <mc:AlternateContent xmlns:mc="http://schemas.openxmlformats.org/markup-compatibility/2006">
-        <mc:Choice xmlns:a14="http://schemas.microsoft.com/office/drawing/2010/main" Requires="a14">
+      <mc:AlternateContent xmlns:mc="http://schemas.openxmlformats.org/markup-compatibility/2006" xmlns:a14="http://schemas.microsoft.com/office/drawing/2010/main">
+        <mc:Choice Requires="a14">
           <p:sp>
             <p:nvSpPr>
               <p:cNvPr id="28" name="TextBox 27">
@@ -10999,7 +11109,7 @@
             </p:txBody>
           </p:sp>
         </mc:Choice>
-        <mc:Fallback>
+        <mc:Fallback xmlns="">
           <p:sp>
             <p:nvSpPr>
               <p:cNvPr id="28" name="TextBox 27">
@@ -11054,6 +11164,13 @@
   <p:clrMapOvr>
     <a:masterClrMapping/>
   </p:clrMapOvr>
+  <p:timing>
+    <p:tnLst>
+      <p:par>
+        <p:cTn id="1" dur="indefinite" restart="never" nodeType="tmRoot"/>
+      </p:par>
+    </p:tnLst>
+  </p:timing>
 </p:sld>
 </file>
 
@@ -11140,8 +11257,8 @@
           </a:p>
         </p:txBody>
       </p:sp>
-      <mc:AlternateContent xmlns:mc="http://schemas.openxmlformats.org/markup-compatibility/2006">
-        <mc:Choice xmlns:a14="http://schemas.microsoft.com/office/drawing/2010/main" Requires="a14">
+      <mc:AlternateContent xmlns:mc="http://schemas.openxmlformats.org/markup-compatibility/2006" xmlns:a14="http://schemas.microsoft.com/office/drawing/2010/main">
+        <mc:Choice Requires="a14">
           <p:sp>
             <p:nvSpPr>
               <p:cNvPr id="4" name="TextBox 3">
@@ -11249,7 +11366,7 @@
             </p:txBody>
           </p:sp>
         </mc:Choice>
-        <mc:Fallback>
+        <mc:Fallback xmlns="">
           <p:sp>
             <p:nvSpPr>
               <p:cNvPr id="4" name="TextBox 3">
@@ -11331,8 +11448,8 @@
           </a:p>
         </p:txBody>
       </p:sp>
-      <mc:AlternateContent xmlns:mc="http://schemas.openxmlformats.org/markup-compatibility/2006">
-        <mc:Choice xmlns:a14="http://schemas.microsoft.com/office/drawing/2010/main" Requires="a14">
+      <mc:AlternateContent xmlns:mc="http://schemas.openxmlformats.org/markup-compatibility/2006" xmlns:a14="http://schemas.microsoft.com/office/drawing/2010/main">
+        <mc:Choice Requires="a14">
           <p:sp>
             <p:nvSpPr>
               <p:cNvPr id="6" name="TextBox 5">
@@ -11631,7 +11748,7 @@
             </p:txBody>
           </p:sp>
         </mc:Choice>
-        <mc:Fallback>
+        <mc:Fallback xmlns="">
           <p:sp>
             <p:nvSpPr>
               <p:cNvPr id="6" name="TextBox 5">
@@ -11713,8 +11830,8 @@
           </a:p>
         </p:txBody>
       </p:sp>
-      <mc:AlternateContent xmlns:mc="http://schemas.openxmlformats.org/markup-compatibility/2006">
-        <mc:Choice xmlns:a14="http://schemas.microsoft.com/office/drawing/2010/main" Requires="a14">
+      <mc:AlternateContent xmlns:mc="http://schemas.openxmlformats.org/markup-compatibility/2006" xmlns:a14="http://schemas.microsoft.com/office/drawing/2010/main">
+        <mc:Choice Requires="a14">
           <p:sp>
             <p:nvSpPr>
               <p:cNvPr id="8" name="TextBox 7">
@@ -12019,7 +12136,7 @@
             </p:txBody>
           </p:sp>
         </mc:Choice>
-        <mc:Fallback>
+        <mc:Fallback xmlns="">
           <p:sp>
             <p:nvSpPr>
               <p:cNvPr id="8" name="TextBox 7">
@@ -12078,7 +12195,7 @@
           </p:cNvPicPr>
           <p:nvPr/>
         </p:nvPicPr>
-        <p:blipFill>
+        <p:blipFill rotWithShape="1">
           <a:blip r:embed="rId5">
             <a:extLst>
               <a:ext uri="{28A0092B-C50C-407E-A947-70E740481C1C}">
@@ -12086,15 +12203,13 @@
               </a:ext>
             </a:extLst>
           </a:blip>
-          <a:srcRect/>
-          <a:stretch>
-            <a:fillRect/>
-          </a:stretch>
+          <a:srcRect r="61674"/>
+          <a:stretch/>
         </p:blipFill>
         <p:spPr bwMode="auto">
           <a:xfrm>
-            <a:off x="5486810" y="1691930"/>
-            <a:ext cx="3643974" cy="3113941"/>
+            <a:off x="7070076" y="997459"/>
+            <a:ext cx="1802990" cy="4020081"/>
           </a:xfrm>
           <a:prstGeom prst="rect">
             <a:avLst/>
@@ -12121,6 +12236,13 @@
   <p:clrMapOvr>
     <a:masterClrMapping/>
   </p:clrMapOvr>
+  <p:timing>
+    <p:tnLst>
+      <p:par>
+        <p:cTn id="1" dur="indefinite" restart="never" nodeType="tmRoot"/>
+      </p:par>
+    </p:tnLst>
+  </p:timing>
 </p:sld>
 </file>
 
@@ -12207,8 +12329,8 @@
           </a:p>
         </p:txBody>
       </p:sp>
-      <mc:AlternateContent xmlns:mc="http://schemas.openxmlformats.org/markup-compatibility/2006">
-        <mc:Choice xmlns:a14="http://schemas.microsoft.com/office/drawing/2010/main" Requires="a14">
+      <mc:AlternateContent xmlns:mc="http://schemas.openxmlformats.org/markup-compatibility/2006" xmlns:a14="http://schemas.microsoft.com/office/drawing/2010/main">
+        <mc:Choice Requires="a14">
           <p:sp>
             <p:nvSpPr>
               <p:cNvPr id="5" name="TextBox 4">
@@ -12412,7 +12534,7 @@
             </p:txBody>
           </p:sp>
         </mc:Choice>
-        <mc:Fallback>
+        <mc:Fallback xmlns="">
           <p:sp>
             <p:nvSpPr>
               <p:cNvPr id="5" name="TextBox 4">
@@ -12494,8 +12616,8 @@
           </a:p>
         </p:txBody>
       </p:sp>
-      <mc:AlternateContent xmlns:mc="http://schemas.openxmlformats.org/markup-compatibility/2006">
-        <mc:Choice xmlns:a14="http://schemas.microsoft.com/office/drawing/2010/main" Requires="a14">
+      <mc:AlternateContent xmlns:mc="http://schemas.openxmlformats.org/markup-compatibility/2006" xmlns:a14="http://schemas.microsoft.com/office/drawing/2010/main">
+        <mc:Choice Requires="a14">
           <p:sp>
             <p:nvSpPr>
               <p:cNvPr id="8" name="TextBox 7">
@@ -12778,7 +12900,7 @@
             </p:txBody>
           </p:sp>
         </mc:Choice>
-        <mc:Fallback>
+        <mc:Fallback xmlns="">
           <p:sp>
             <p:nvSpPr>
               <p:cNvPr id="8" name="TextBox 7">
@@ -12823,6 +12945,51 @@
           </p:sp>
         </mc:Fallback>
       </mc:AlternateContent>
+      <p:pic>
+        <p:nvPicPr>
+          <p:cNvPr id="7" name="Picture 1" descr="Ink Drawings&#10;Ink Drawings&#10;Ink Drawings&#10;Ink Drawings&#10;Ink Drawings&#10;Ink Drawings&#10;Ink Drawings&#10;Ink Drawings&#10;Ink Drawings&#10;Ink Drawings&#10;Ink Drawings&#10;Ink Drawings&#10;Ink Drawings&#10;Ink Drawings&#10;Ink Drawings&#10;Ink Drawings&#10;Ink Drawings&#10;Ink Drawings&#10;Ink Drawings&#10;Ink Drawings&#10;Ink Drawings&#10;Ink Drawings&#10;Ink Drawings&#10;Ink Drawings&#10;Ink Drawings&#10;Ink Drawings&#10;Ink Drawings&#10;Ink Drawings&#10;Ink Drawings&#10;Ink Drawings&#10;Ink Drawings&#10;Ink Drawings&#10;Ink Drawings&#10;Ink Drawings&#10;Ink Drawings&#10;Ink Drawings&#10;Ink Drawings&#10;Ink Drawings&#10;Ink Drawings&#10;Ink Drawings&#10;Ink Drawings&#10;Ink Drawings&#10;Ink Drawings&#10;Ink Drawings&#10;Ink Drawings&#10;Ink Drawings&#10;Ink Drawings&#10;Ink Drawings&#10;Ink Drawings&#10;Ink Drawings&#10;Ink Drawings&#10;Ink Drawings&#10;Ink Drawings&#10;Ink Drawings&#10;Ink Drawings&#10;Ink Drawings&#10;Ink Drawings&#10;Ink Drawings&#10;Ink Drawings&#10;Ink Drawings&#10;Ink Drawings&#10;Ink Drawings&#10;Ink Drawings&#10;Ink Drawings&#10;Ink Drawings&#10;Ink Drawings&#10;Ink Drawings&#10;Ink Drawings&#10;Ink Drawings&#10;Ink Drawings&#10;Ink Drawings&#10;Ink Drawings&#10;Ink Drawings&#10;Ink Drawings&#10;Ink Drawings&#10;Ink Drawings&#10;Ink Drawings&#10;Ink Drawings&#10;Ink Drawings&#10;Ink Drawings&#10;Ink Drawings&#10;Ink Drawings&#10;Ink Drawings&#10;Ink Drawings&#10;Ink Drawings&#10;Ink Drawings&#10;Ink Drawings&#10;Ink Drawings&#10;Ink Drawings&#10;Ink Drawings&#10;Ink Drawings&#10;Ink Drawings&#10;Ink Drawings&#10;Ink Drawings&#10;Ink Drawings&#10;Ink Drawings&#10;Ink Drawings&#10;Ink Drawings&#10;Ink Drawings&#10;Ink Drawings&#10;Ink Drawings&#10;Ink Drawings&#10;Ink Drawings&#10;Ink Drawings&#10;Ink Drawings&#10;Ink Drawings&#10;Ink Drawings&#10;Ink Drawings&#10;">
+            <a:extLst>
+              <a:ext uri="{FF2B5EF4-FFF2-40B4-BE49-F238E27FC236}">
+                <a16:creationId xmlns:a16="http://schemas.microsoft.com/office/drawing/2014/main" id="{0BFA9D92-FB6A-4AE3-872F-B831DB999267}"/>
+              </a:ext>
+            </a:extLst>
+          </p:cNvPr>
+          <p:cNvPicPr>
+            <a:picLocks noChangeAspect="1" noChangeArrowheads="1"/>
+          </p:cNvPicPr>
+          <p:nvPr/>
+        </p:nvPicPr>
+        <p:blipFill rotWithShape="1">
+          <a:blip r:embed="rId4">
+            <a:extLst>
+              <a:ext uri="{28A0092B-C50C-407E-A947-70E740481C1C}">
+                <a14:useLocalDpi xmlns:a14="http://schemas.microsoft.com/office/drawing/2010/main" val="0"/>
+              </a:ext>
+            </a:extLst>
+          </a:blip>
+          <a:srcRect r="61674"/>
+          <a:stretch/>
+        </p:blipFill>
+        <p:spPr bwMode="auto">
+          <a:xfrm>
+            <a:off x="7070076" y="997459"/>
+            <a:ext cx="1802990" cy="4020081"/>
+          </a:xfrm>
+          <a:prstGeom prst="rect">
+            <a:avLst/>
+          </a:prstGeom>
+          <a:noFill/>
+          <a:extLst>
+            <a:ext uri="{909E8E84-426E-40DD-AFC4-6F175D3DCCD1}">
+              <a14:hiddenFill xmlns:a14="http://schemas.microsoft.com/office/drawing/2010/main">
+                <a:solidFill>
+                  <a:srgbClr val="FFFFFF"/>
+                </a:solidFill>
+              </a14:hiddenFill>
+            </a:ext>
+          </a:extLst>
+        </p:spPr>
+      </p:pic>
     </p:spTree>
     <p:extLst>
       <p:ext uri="{BB962C8B-B14F-4D97-AF65-F5344CB8AC3E}">
@@ -12833,6 +13000,13 @@
   <p:clrMapOvr>
     <a:masterClrMapping/>
   </p:clrMapOvr>
+  <p:timing>
+    <p:tnLst>
+      <p:par>
+        <p:cTn id="1" dur="indefinite" restart="never" nodeType="tmRoot"/>
+      </p:par>
+    </p:tnLst>
+  </p:timing>
 </p:sld>
 </file>
 
@@ -12853,8 +13027,8 @@
           <a:chExt cx="0" cy="0"/>
         </a:xfrm>
       </p:grpSpPr>
-      <mc:AlternateContent xmlns:mc="http://schemas.openxmlformats.org/markup-compatibility/2006" xmlns:a14="http://schemas.microsoft.com/office/drawing/2010/main">
-        <mc:Choice Requires="a14">
+      <mc:AlternateContent xmlns:mc="http://schemas.openxmlformats.org/markup-compatibility/2006">
+        <mc:Choice xmlns:a14="http://schemas.microsoft.com/office/drawing/2010/main" Requires="a14">
           <p:sp>
             <p:nvSpPr>
               <p:cNvPr id="2" name="Text Placeholder 1">
@@ -12888,7 +13062,7 @@
                 <a14:m>
                   <m:oMath xmlns:m="http://schemas.openxmlformats.org/officeDocument/2006/math">
                     <m:r>
-                      <a:rPr lang="en-US" b="1" i="1" smtClean="0">
+                      <a:rPr lang="en-US" b="0" i="1" smtClean="0">
                         <a:latin typeface="Cambria Math" panose="02040503050406030204" pitchFamily="18" charset="0"/>
                       </a:rPr>
                       <m:t>(</m:t>
@@ -12896,30 +13070,30 @@
                     <m:sSub>
                       <m:sSubPr>
                         <m:ctrlPr>
-                          <a:rPr lang="en-US" b="1" i="1" smtClean="0">
+                          <a:rPr lang="en-US" b="0" i="1" smtClean="0">
                             <a:latin typeface="Cambria Math" panose="02040503050406030204" pitchFamily="18" charset="0"/>
                           </a:rPr>
                         </m:ctrlPr>
                       </m:sSubPr>
                       <m:e>
                         <m:r>
-                          <a:rPr lang="en-US" b="1" i="1" smtClean="0">
+                          <a:rPr lang="en-US" b="0" i="1" smtClean="0">
                             <a:latin typeface="Cambria Math" panose="02040503050406030204" pitchFamily="18" charset="0"/>
                           </a:rPr>
-                          <m:t>𝒙</m:t>
+                          <m:t>𝑥</m:t>
                         </m:r>
                       </m:e>
                       <m:sub>
                         <m:r>
-                          <a:rPr lang="en-US" b="1" i="1" smtClean="0">
+                          <a:rPr lang="en-US" b="0" i="1" smtClean="0">
                             <a:latin typeface="Cambria Math" panose="02040503050406030204" pitchFamily="18" charset="0"/>
                           </a:rPr>
-                          <m:t>𝟎</m:t>
+                          <m:t>0</m:t>
                         </m:r>
                       </m:sub>
                     </m:sSub>
                     <m:r>
-                      <a:rPr lang="en-US" b="1" i="1" smtClean="0">
+                      <a:rPr lang="en-US" b="0" i="1" smtClean="0">
                         <a:latin typeface="Cambria Math" panose="02040503050406030204" pitchFamily="18" charset="0"/>
                       </a:rPr>
                       <m:t>,</m:t>
@@ -12927,37 +13101,37 @@
                     <m:sSub>
                       <m:sSubPr>
                         <m:ctrlPr>
-                          <a:rPr lang="en-US" b="1" i="1" smtClean="0">
+                          <a:rPr lang="en-US" b="0" i="1" smtClean="0">
                             <a:latin typeface="Cambria Math" panose="02040503050406030204" pitchFamily="18" charset="0"/>
                           </a:rPr>
                         </m:ctrlPr>
                       </m:sSubPr>
                       <m:e>
                         <m:r>
-                          <a:rPr lang="en-US" b="1" i="1" smtClean="0">
+                          <a:rPr lang="en-US" b="0" i="1" smtClean="0">
                             <a:latin typeface="Cambria Math" panose="02040503050406030204" pitchFamily="18" charset="0"/>
                           </a:rPr>
-                          <m:t>𝒚</m:t>
+                          <m:t>𝑦</m:t>
                         </m:r>
                       </m:e>
                       <m:sub>
                         <m:r>
-                          <a:rPr lang="en-US" b="1" i="1" smtClean="0">
+                          <a:rPr lang="en-US" b="0" i="1" smtClean="0">
                             <a:latin typeface="Cambria Math" panose="02040503050406030204" pitchFamily="18" charset="0"/>
                           </a:rPr>
-                          <m:t>𝟎</m:t>
+                          <m:t>0</m:t>
                         </m:r>
                       </m:sub>
                     </m:sSub>
                     <m:r>
-                      <a:rPr lang="en-US" b="1" i="1" smtClean="0">
+                      <a:rPr lang="en-US" b="0" i="1" smtClean="0">
                         <a:latin typeface="Cambria Math" panose="02040503050406030204" pitchFamily="18" charset="0"/>
                       </a:rPr>
                       <m:t>)</m:t>
                     </m:r>
                   </m:oMath>
                 </a14:m>
-                <a:endParaRPr lang="en-US" dirty="0"/>
+                <a:endParaRPr lang="en-US" b="0" dirty="0"/>
               </a:p>
               <a:p>
                 <a:r>
@@ -12969,7 +13143,7 @@
                     <m:d>
                       <m:dPr>
                         <m:ctrlPr>
-                          <a:rPr lang="en-US" i="1">
+                          <a:rPr lang="en-US" b="0" i="1">
                             <a:latin typeface="Cambria Math" panose="02040503050406030204" pitchFamily="18" charset="0"/>
                           </a:rPr>
                         </m:ctrlPr>
@@ -12978,30 +13152,30 @@
                         <m:sSub>
                           <m:sSubPr>
                             <m:ctrlPr>
-                              <a:rPr lang="en-US" i="1">
+                              <a:rPr lang="en-US" b="0" i="1">
                                 <a:latin typeface="Cambria Math" panose="02040503050406030204" pitchFamily="18" charset="0"/>
                               </a:rPr>
                             </m:ctrlPr>
                           </m:sSubPr>
                           <m:e>
                             <m:r>
-                              <a:rPr lang="en-US" i="1">
+                              <a:rPr lang="en-US" b="0" i="1">
                                 <a:latin typeface="Cambria Math" panose="02040503050406030204" pitchFamily="18" charset="0"/>
                               </a:rPr>
-                              <m:t>𝒙</m:t>
+                              <m:t>𝑥</m:t>
                             </m:r>
                           </m:e>
                           <m:sub>
                             <m:r>
-                              <a:rPr lang="en-US" b="1" i="1" smtClean="0">
+                              <a:rPr lang="en-US" b="0" i="1" smtClean="0">
                                 <a:latin typeface="Cambria Math" panose="02040503050406030204" pitchFamily="18" charset="0"/>
                               </a:rPr>
-                              <m:t>𝒐𝒃</m:t>
+                              <m:t>𝑜𝑏</m:t>
                             </m:r>
                           </m:sub>
                         </m:sSub>
                         <m:r>
-                          <a:rPr lang="en-US" i="1">
+                          <a:rPr lang="en-US" b="0" i="1">
                             <a:latin typeface="Cambria Math" panose="02040503050406030204" pitchFamily="18" charset="0"/>
                           </a:rPr>
                           <m:t>,</m:t>
@@ -13009,25 +13183,25 @@
                         <m:sSub>
                           <m:sSubPr>
                             <m:ctrlPr>
-                              <a:rPr lang="en-US" i="1">
+                              <a:rPr lang="en-US" b="0" i="1">
                                 <a:latin typeface="Cambria Math" panose="02040503050406030204" pitchFamily="18" charset="0"/>
                               </a:rPr>
                             </m:ctrlPr>
                           </m:sSubPr>
                           <m:e>
                             <m:r>
-                              <a:rPr lang="en-US" i="1">
+                              <a:rPr lang="en-US" b="0" i="1">
                                 <a:latin typeface="Cambria Math" panose="02040503050406030204" pitchFamily="18" charset="0"/>
                               </a:rPr>
-                              <m:t>𝒚</m:t>
+                              <m:t>𝑦</m:t>
                             </m:r>
                           </m:e>
                           <m:sub>
                             <m:r>
-                              <a:rPr lang="en-US" b="1" i="1" smtClean="0">
+                              <a:rPr lang="en-US" b="0" i="1" smtClean="0">
                                 <a:latin typeface="Cambria Math" panose="02040503050406030204" pitchFamily="18" charset="0"/>
                               </a:rPr>
-                              <m:t>𝒐𝒃</m:t>
+                              <m:t>𝑜𝑏</m:t>
                             </m:r>
                           </m:sub>
                         </m:sSub>
@@ -13035,7 +13209,7 @@
                     </m:d>
                   </m:oMath>
                 </a14:m>
-                <a:endParaRPr lang="en-US" dirty="0"/>
+                <a:endParaRPr lang="en-US" b="0" dirty="0"/>
               </a:p>
               <a:p>
                 <a:r>
@@ -13045,7 +13219,7 @@
                 <a14:m>
                   <m:oMath xmlns:m="http://schemas.openxmlformats.org/officeDocument/2006/math">
                     <m:r>
-                      <a:rPr lang="en-US" i="1">
+                      <a:rPr lang="en-US" b="0" i="1">
                         <a:latin typeface="Cambria Math" panose="02040503050406030204" pitchFamily="18" charset="0"/>
                       </a:rPr>
                       <m:t>(</m:t>
@@ -13053,30 +13227,30 @@
                     <m:sSub>
                       <m:sSubPr>
                         <m:ctrlPr>
-                          <a:rPr lang="en-US" i="1">
+                          <a:rPr lang="en-US" b="0" i="1">
                             <a:latin typeface="Cambria Math" panose="02040503050406030204" pitchFamily="18" charset="0"/>
                           </a:rPr>
                         </m:ctrlPr>
                       </m:sSubPr>
                       <m:e>
                         <m:r>
-                          <a:rPr lang="en-US" i="1">
+                          <a:rPr lang="en-US" b="0" i="1">
                             <a:latin typeface="Cambria Math" panose="02040503050406030204" pitchFamily="18" charset="0"/>
                           </a:rPr>
-                          <m:t>𝒙</m:t>
+                          <m:t>𝑥</m:t>
                         </m:r>
                       </m:e>
                       <m:sub>
                         <m:r>
-                          <a:rPr lang="en-US" b="1" i="1" smtClean="0">
+                          <a:rPr lang="en-US" b="0" i="1" smtClean="0">
                             <a:latin typeface="Cambria Math" panose="02040503050406030204" pitchFamily="18" charset="0"/>
                           </a:rPr>
-                          <m:t>𝒇</m:t>
+                          <m:t>𝑓</m:t>
                         </m:r>
                       </m:sub>
                     </m:sSub>
                     <m:r>
-                      <a:rPr lang="en-US" i="1">
+                      <a:rPr lang="en-US" b="0" i="1">
                         <a:latin typeface="Cambria Math" panose="02040503050406030204" pitchFamily="18" charset="0"/>
                       </a:rPr>
                       <m:t>,</m:t>
@@ -13084,37 +13258,37 @@
                     <m:sSub>
                       <m:sSubPr>
                         <m:ctrlPr>
-                          <a:rPr lang="en-US" i="1">
+                          <a:rPr lang="en-US" b="0" i="1">
                             <a:latin typeface="Cambria Math" panose="02040503050406030204" pitchFamily="18" charset="0"/>
                           </a:rPr>
                         </m:ctrlPr>
                       </m:sSubPr>
                       <m:e>
                         <m:r>
-                          <a:rPr lang="en-US" i="1">
+                          <a:rPr lang="en-US" b="0" i="1">
                             <a:latin typeface="Cambria Math" panose="02040503050406030204" pitchFamily="18" charset="0"/>
                           </a:rPr>
-                          <m:t>𝒚</m:t>
+                          <m:t>𝑦</m:t>
                         </m:r>
                       </m:e>
                       <m:sub>
                         <m:r>
-                          <a:rPr lang="en-US" b="1" i="1" smtClean="0">
+                          <a:rPr lang="en-US" b="0" i="1" smtClean="0">
                             <a:latin typeface="Cambria Math" panose="02040503050406030204" pitchFamily="18" charset="0"/>
                           </a:rPr>
-                          <m:t>𝒇</m:t>
+                          <m:t>𝑓</m:t>
                         </m:r>
                       </m:sub>
                     </m:sSub>
                     <m:r>
-                      <a:rPr lang="en-US" i="1">
+                      <a:rPr lang="en-US" b="0" i="1">
                         <a:latin typeface="Cambria Math" panose="02040503050406030204" pitchFamily="18" charset="0"/>
                       </a:rPr>
                       <m:t>)</m:t>
                     </m:r>
                   </m:oMath>
                 </a14:m>
-                <a:endParaRPr lang="en-US" dirty="0"/>
+                <a:endParaRPr lang="en-US" b="0" dirty="0"/>
               </a:p>
               <a:p>
                 <a:endParaRPr lang="en-US" dirty="0"/>
@@ -13129,31 +13303,31 @@
                     <m:sSub>
                       <m:sSubPr>
                         <m:ctrlPr>
-                          <a:rPr lang="en-US" b="1" i="1" smtClean="0">
+                          <a:rPr lang="en-US" b="0" i="1" smtClean="0">
                             <a:latin typeface="Cambria Math" panose="02040503050406030204" pitchFamily="18" charset="0"/>
                           </a:rPr>
                         </m:ctrlPr>
                       </m:sSubPr>
                       <m:e>
                         <m:r>
-                          <a:rPr lang="en-US" b="1" i="1" smtClean="0">
+                          <a:rPr lang="en-US" b="0" i="1" smtClean="0">
                             <a:latin typeface="Cambria Math" panose="02040503050406030204" pitchFamily="18" charset="0"/>
                           </a:rPr>
-                          <m:t>𝒂</m:t>
+                          <m:t>𝑎</m:t>
                         </m:r>
                       </m:e>
                       <m:sub>
                         <m:r>
-                          <a:rPr lang="en-US" b="1" i="1" smtClean="0">
+                          <a:rPr lang="en-US" b="0" i="1" smtClean="0">
                             <a:latin typeface="Cambria Math" panose="02040503050406030204" pitchFamily="18" charset="0"/>
                           </a:rPr>
-                          <m:t>𝒎𝒂𝒙</m:t>
+                          <m:t>𝑚𝑎𝑥</m:t>
                         </m:r>
                       </m:sub>
                     </m:sSub>
                   </m:oMath>
                 </a14:m>
-                <a:endParaRPr lang="en-US" dirty="0"/>
+                <a:endParaRPr lang="en-US" b="0" dirty="0"/>
               </a:p>
               <a:p>
                 <a:r>
@@ -13165,31 +13339,31 @@
                     <m:sSub>
                       <m:sSubPr>
                         <m:ctrlPr>
-                          <a:rPr lang="en-US" i="1">
+                          <a:rPr lang="en-US" b="0" i="1">
                             <a:latin typeface="Cambria Math" panose="02040503050406030204" pitchFamily="18" charset="0"/>
                           </a:rPr>
                         </m:ctrlPr>
                       </m:sSubPr>
                       <m:e>
                         <m:r>
-                          <a:rPr lang="en-US" i="1">
+                          <a:rPr lang="en-US" b="0" i="1">
                             <a:latin typeface="Cambria Math" panose="02040503050406030204" pitchFamily="18" charset="0"/>
                           </a:rPr>
-                          <m:t>𝒂</m:t>
+                          <m:t>𝑎</m:t>
                         </m:r>
                       </m:e>
                       <m:sub>
                         <m:r>
-                          <a:rPr lang="en-US" b="1" i="1" smtClean="0">
+                          <a:rPr lang="en-US" b="0" i="1" smtClean="0">
                             <a:latin typeface="Cambria Math" panose="02040503050406030204" pitchFamily="18" charset="0"/>
                           </a:rPr>
-                          <m:t>𝒎𝒊𝒏</m:t>
+                          <m:t>𝑚𝑖𝑛</m:t>
                         </m:r>
                       </m:sub>
                     </m:sSub>
                   </m:oMath>
                 </a14:m>
-                <a:endParaRPr lang="en-US" dirty="0"/>
+                <a:endParaRPr lang="en-US" b="0" dirty="0"/>
               </a:p>
               <a:p>
                 <a:r>
@@ -13201,31 +13375,31 @@
                     <m:sSub>
                       <m:sSubPr>
                         <m:ctrlPr>
-                          <a:rPr lang="en-US" i="1">
+                          <a:rPr lang="en-US" b="0" i="1">
                             <a:latin typeface="Cambria Math" panose="02040503050406030204" pitchFamily="18" charset="0"/>
                           </a:rPr>
                         </m:ctrlPr>
                       </m:sSubPr>
                       <m:e>
                         <m:r>
-                          <a:rPr lang="en-US" i="1">
+                          <a:rPr lang="en-US" b="0" i="1">
                             <a:latin typeface="Cambria Math" panose="02040503050406030204" pitchFamily="18" charset="0"/>
                           </a:rPr>
-                          <m:t>𝒂</m:t>
+                          <m:t>𝑎</m:t>
                         </m:r>
                       </m:e>
                       <m:sub>
                         <m:r>
-                          <a:rPr lang="en-US" i="1">
+                          <a:rPr lang="en-US" b="0" i="1">
                             <a:latin typeface="Cambria Math" panose="02040503050406030204" pitchFamily="18" charset="0"/>
                           </a:rPr>
-                          <m:t>𝒄</m:t>
+                          <m:t>𝑐</m:t>
                         </m:r>
                       </m:sub>
                     </m:sSub>
                   </m:oMath>
                 </a14:m>
-                <a:endParaRPr lang="en-US" dirty="0"/>
+                <a:endParaRPr lang="en-US" b="0" dirty="0"/>
               </a:p>
               <a:p>
                 <a:endParaRPr lang="en-US" dirty="0"/>
@@ -13240,43 +13414,31 @@
                     <m:sSub>
                       <m:sSubPr>
                         <m:ctrlPr>
-                          <a:rPr lang="en-US" i="1">
+                          <a:rPr lang="en-US" b="0" i="1">
                             <a:latin typeface="Cambria Math" panose="02040503050406030204" pitchFamily="18" charset="0"/>
                           </a:rPr>
                         </m:ctrlPr>
                       </m:sSubPr>
                       <m:e>
                         <m:r>
-                          <a:rPr lang="en-US" b="1" i="1" smtClean="0">
+                          <a:rPr lang="en-US" b="0" i="1" smtClean="0">
                             <a:latin typeface="Cambria Math" panose="02040503050406030204" pitchFamily="18" charset="0"/>
                           </a:rPr>
-                          <m:t>𝒗</m:t>
+                          <m:t>𝑣</m:t>
                         </m:r>
                       </m:e>
                       <m:sub>
                         <m:r>
-                          <a:rPr lang="en-US" b="1" i="1" smtClean="0">
+                          <a:rPr lang="en-US" b="0" i="1" smtClean="0">
                             <a:latin typeface="Cambria Math" panose="02040503050406030204" pitchFamily="18" charset="0"/>
                           </a:rPr>
-                          <m:t>𝟎</m:t>
-                        </m:r>
-                        <m:r>
-                          <a:rPr lang="en-US" b="1" i="1" smtClean="0">
-                            <a:latin typeface="Cambria Math" panose="02040503050406030204" pitchFamily="18" charset="0"/>
-                          </a:rPr>
-                          <m:t>,</m:t>
-                        </m:r>
-                        <m:r>
-                          <a:rPr lang="en-US" b="1" i="1" smtClean="0">
-                            <a:latin typeface="Cambria Math" panose="02040503050406030204" pitchFamily="18" charset="0"/>
-                          </a:rPr>
-                          <m:t>𝟏</m:t>
+                          <m:t>0,1</m:t>
                         </m:r>
                       </m:sub>
                     </m:sSub>
                   </m:oMath>
                 </a14:m>
-                <a:endParaRPr lang="en-US" dirty="0"/>
+                <a:endParaRPr lang="en-US" b="0" dirty="0"/>
               </a:p>
               <a:p>
                 <a:r>
@@ -13288,48 +13450,48 @@
                     <m:sSub>
                       <m:sSubPr>
                         <m:ctrlPr>
-                          <a:rPr lang="en-US" i="1">
+                          <a:rPr lang="en-US" b="0" i="1">
                             <a:latin typeface="Cambria Math" panose="02040503050406030204" pitchFamily="18" charset="0"/>
                           </a:rPr>
                         </m:ctrlPr>
                       </m:sSubPr>
                       <m:e>
                         <m:r>
-                          <a:rPr lang="en-US" i="1">
+                          <a:rPr lang="en-US" b="0" i="1">
                             <a:latin typeface="Cambria Math" panose="02040503050406030204" pitchFamily="18" charset="0"/>
                           </a:rPr>
-                          <m:t>𝒗</m:t>
+                          <m:t>𝑣</m:t>
                         </m:r>
                       </m:e>
                       <m:sub>
                         <m:r>
-                          <a:rPr lang="en-US" b="1" i="1" smtClean="0">
+                          <a:rPr lang="en-US" b="0" i="1" smtClean="0">
                             <a:latin typeface="Cambria Math" panose="02040503050406030204" pitchFamily="18" charset="0"/>
                           </a:rPr>
-                          <m:t>𝒇</m:t>
+                          <m:t>𝑓</m:t>
                         </m:r>
                         <m:r>
-                          <a:rPr lang="en-US" i="1">
+                          <a:rPr lang="en-US" b="0" i="1">
                             <a:latin typeface="Cambria Math" panose="02040503050406030204" pitchFamily="18" charset="0"/>
                           </a:rPr>
                           <m:t>,</m:t>
                         </m:r>
                         <m:r>
-                          <a:rPr lang="en-US" b="1" i="1" smtClean="0">
+                          <a:rPr lang="en-US" b="0" i="1" smtClean="0">
                             <a:latin typeface="Cambria Math" panose="02040503050406030204" pitchFamily="18" charset="0"/>
                           </a:rPr>
-                          <m:t>𝟐</m:t>
+                          <m:t>2</m:t>
                         </m:r>
                       </m:sub>
                     </m:sSub>
                   </m:oMath>
                 </a14:m>
-                <a:endParaRPr lang="en-US" dirty="0"/>
+                <a:endParaRPr lang="en-US" b="0" dirty="0"/>
               </a:p>
             </p:txBody>
           </p:sp>
         </mc:Choice>
-        <mc:Fallback xmlns="">
+        <mc:Fallback>
           <p:sp>
             <p:nvSpPr>
               <p:cNvPr id="2" name="Text Placeholder 1">
@@ -13354,7 +13516,7 @@
               <a:blipFill>
                 <a:blip r:embed="rId2"/>
                 <a:stretch>
-                  <a:fillRect l="-2162" t="-2400" b="-2800"/>
+                  <a:fillRect l="-2168" t="-2515" b="-3095"/>
                 </a:stretch>
               </a:blipFill>
             </p:spPr>
@@ -13458,6 +13620,13 @@
   <p:clrMapOvr>
     <a:masterClrMapping/>
   </p:clrMapOvr>
+  <p:timing>
+    <p:tnLst>
+      <p:par>
+        <p:cTn id="1" dur="indefinite" restart="never" nodeType="tmRoot"/>
+      </p:par>
+    </p:tnLst>
+  </p:timing>
 </p:sld>
 </file>
 
@@ -13511,8 +13680,8 @@
           </a:p>
         </p:txBody>
       </p:sp>
-      <mc:AlternateContent xmlns:mc="http://schemas.openxmlformats.org/markup-compatibility/2006">
-        <mc:Choice xmlns:a14="http://schemas.microsoft.com/office/drawing/2010/main" Requires="a14">
+      <mc:AlternateContent xmlns:mc="http://schemas.openxmlformats.org/markup-compatibility/2006" xmlns:a14="http://schemas.microsoft.com/office/drawing/2010/main">
+        <mc:Choice Requires="a14">
           <p:sp>
             <p:nvSpPr>
               <p:cNvPr id="4" name="TextBox 3">
@@ -13656,7 +13825,7 @@
             </p:txBody>
           </p:sp>
         </mc:Choice>
-        <mc:Fallback>
+        <mc:Fallback xmlns="">
           <p:sp>
             <p:nvSpPr>
               <p:cNvPr id="4" name="TextBox 3">
@@ -13842,8 +14011,8 @@
           </a:extLst>
         </p:spPr>
       </p:pic>
-      <mc:AlternateContent xmlns:mc="http://schemas.openxmlformats.org/markup-compatibility/2006">
-        <mc:Choice xmlns:a14="http://schemas.microsoft.com/office/drawing/2010/main" Requires="a14">
+      <mc:AlternateContent xmlns:mc="http://schemas.openxmlformats.org/markup-compatibility/2006" xmlns:a14="http://schemas.microsoft.com/office/drawing/2010/main">
+        <mc:Choice Requires="a14">
           <p:sp>
             <p:nvSpPr>
               <p:cNvPr id="8" name="TextBox 7">
@@ -13920,7 +14089,7 @@
             </p:txBody>
           </p:sp>
         </mc:Choice>
-        <mc:Fallback>
+        <mc:Fallback xmlns="">
           <p:sp>
             <p:nvSpPr>
               <p:cNvPr id="8" name="TextBox 7">
@@ -13965,8 +14134,8 @@
           </p:sp>
         </mc:Fallback>
       </mc:AlternateContent>
-      <mc:AlternateContent xmlns:mc="http://schemas.openxmlformats.org/markup-compatibility/2006">
-        <mc:Choice xmlns:a14="http://schemas.microsoft.com/office/drawing/2010/main" Requires="a14">
+      <mc:AlternateContent xmlns:mc="http://schemas.openxmlformats.org/markup-compatibility/2006" xmlns:a14="http://schemas.microsoft.com/office/drawing/2010/main">
+        <mc:Choice Requires="a14">
           <p:sp>
             <p:nvSpPr>
               <p:cNvPr id="9" name="TextBox 8">
@@ -14043,7 +14212,7 @@
             </p:txBody>
           </p:sp>
         </mc:Choice>
-        <mc:Fallback>
+        <mc:Fallback xmlns="">
           <p:sp>
             <p:nvSpPr>
               <p:cNvPr id="9" name="TextBox 8">
@@ -14098,6 +14267,13 @@
   <p:clrMapOvr>
     <a:masterClrMapping/>
   </p:clrMapOvr>
+  <p:timing>
+    <p:tnLst>
+      <p:par>
+        <p:cTn id="1" dur="indefinite" restart="never" nodeType="tmRoot"/>
+      </p:par>
+    </p:tnLst>
+  </p:timing>
 </p:sld>
 </file>
 
@@ -14184,8 +14360,8 @@
           </a:p>
         </p:txBody>
       </p:sp>
-      <mc:AlternateContent xmlns:mc="http://schemas.openxmlformats.org/markup-compatibility/2006">
-        <mc:Choice xmlns:a14="http://schemas.microsoft.com/office/drawing/2010/main" Requires="a14">
+      <mc:AlternateContent xmlns:mc="http://schemas.openxmlformats.org/markup-compatibility/2006" xmlns:a14="http://schemas.microsoft.com/office/drawing/2010/main">
+        <mc:Choice Requires="a14">
           <p:sp>
             <p:nvSpPr>
               <p:cNvPr id="10" name="TextBox 9">
@@ -14287,7 +14463,7 @@
             </p:txBody>
           </p:sp>
         </mc:Choice>
-        <mc:Fallback>
+        <mc:Fallback xmlns="">
           <p:sp>
             <p:nvSpPr>
               <p:cNvPr id="10" name="TextBox 9">
@@ -14369,8 +14545,8 @@
           </a:p>
         </p:txBody>
       </p:sp>
-      <mc:AlternateContent xmlns:mc="http://schemas.openxmlformats.org/markup-compatibility/2006">
-        <mc:Choice xmlns:a14="http://schemas.microsoft.com/office/drawing/2010/main" Requires="a14">
+      <mc:AlternateContent xmlns:mc="http://schemas.openxmlformats.org/markup-compatibility/2006" xmlns:a14="http://schemas.microsoft.com/office/drawing/2010/main">
+        <mc:Choice Requires="a14">
           <p:sp>
             <p:nvSpPr>
               <p:cNvPr id="12" name="TextBox 11">
@@ -14669,7 +14845,7 @@
             </p:txBody>
           </p:sp>
         </mc:Choice>
-        <mc:Fallback>
+        <mc:Fallback xmlns="">
           <p:sp>
             <p:nvSpPr>
               <p:cNvPr id="12" name="TextBox 11">
@@ -14751,8 +14927,8 @@
           </a:p>
         </p:txBody>
       </p:sp>
-      <mc:AlternateContent xmlns:mc="http://schemas.openxmlformats.org/markup-compatibility/2006">
-        <mc:Choice xmlns:a14="http://schemas.microsoft.com/office/drawing/2010/main" Requires="a14">
+      <mc:AlternateContent xmlns:mc="http://schemas.openxmlformats.org/markup-compatibility/2006" xmlns:a14="http://schemas.microsoft.com/office/drawing/2010/main">
+        <mc:Choice Requires="a14">
           <p:sp>
             <p:nvSpPr>
               <p:cNvPr id="14" name="TextBox 13">
@@ -15063,7 +15239,7 @@
             </p:txBody>
           </p:sp>
         </mc:Choice>
-        <mc:Fallback>
+        <mc:Fallback xmlns="">
           <p:sp>
             <p:nvSpPr>
               <p:cNvPr id="14" name="TextBox 13">
@@ -15108,6 +15284,51 @@
           </p:sp>
         </mc:Fallback>
       </mc:AlternateContent>
+      <p:pic>
+        <p:nvPicPr>
+          <p:cNvPr id="15" name="Picture 1" descr="Ink Drawings&#10;Ink Drawings&#10;Ink Drawings&#10;Ink Drawings&#10;Ink Drawings&#10;Ink Drawings&#10;Ink Drawings&#10;Ink Drawings&#10;Ink Drawings&#10;Ink Drawings&#10;Ink Drawings&#10;Ink Drawings&#10;Ink Drawings&#10;Ink Drawings&#10;Ink Drawings&#10;Ink Drawings&#10;Ink Drawings&#10;Ink Drawings&#10;Ink Drawings&#10;Ink Drawings&#10;Ink Drawings&#10;Ink Drawings&#10;Ink Drawings&#10;Ink Drawings&#10;Ink Drawings&#10;Ink Drawings&#10;Ink Drawings&#10;Ink Drawings&#10;Ink Drawings&#10;Ink Drawings&#10;Ink Drawings&#10;Ink Drawings&#10;Ink Drawings&#10;Ink Drawings&#10;Ink Drawings&#10;Ink Drawings&#10;Ink Drawings&#10;Ink Drawings&#10;Ink Drawings&#10;Ink Drawings&#10;Ink Drawings&#10;Ink Drawings&#10;Ink Drawings&#10;Ink Drawings&#10;Ink Drawings&#10;Ink Drawings&#10;Ink Drawings&#10;Ink Drawings&#10;Ink Drawings&#10;Ink Drawings&#10;Ink Drawings&#10;Ink Drawings&#10;Ink Drawings&#10;Ink Drawings&#10;Ink Drawings&#10;Ink Drawings&#10;Ink Drawings&#10;Ink Drawings&#10;Ink Drawings&#10;Ink Drawings&#10;Ink Drawings&#10;Ink Drawings&#10;Ink Drawings&#10;Ink Drawings&#10;Ink Drawings&#10;Ink Drawings&#10;Ink Drawings&#10;Ink Drawings&#10;Ink Drawings&#10;Ink Drawings&#10;Ink Drawings&#10;Ink Drawings&#10;Ink Drawings&#10;Ink Drawings&#10;Ink Drawings&#10;Ink Drawings&#10;Ink Drawings&#10;Ink Drawings&#10;Ink Drawings&#10;Ink Drawings&#10;Ink Drawings&#10;Ink Drawings&#10;Ink Drawings&#10;Ink Drawings&#10;Ink Drawings&#10;Ink Drawings&#10;Ink Drawings&#10;Ink Drawings&#10;Ink Drawings&#10;Ink Drawings&#10;Ink Drawings&#10;Ink Drawings&#10;Ink Drawings&#10;Ink Drawings&#10;Ink Drawings&#10;Ink Drawings&#10;Ink Drawings&#10;Ink Drawings&#10;Ink Drawings&#10;Ink Drawings&#10;Ink Drawings&#10;Ink Drawings&#10;Ink Drawings&#10;Ink Drawings&#10;Ink Drawings&#10;Ink Drawings&#10;Ink Drawings&#10;Ink Drawings&#10;">
+            <a:extLst>
+              <a:ext uri="{FF2B5EF4-FFF2-40B4-BE49-F238E27FC236}">
+                <a16:creationId xmlns:a16="http://schemas.microsoft.com/office/drawing/2014/main" id="{1800F38F-0C0C-4BCB-989B-7FC23AFF1AF3}"/>
+              </a:ext>
+            </a:extLst>
+          </p:cNvPr>
+          <p:cNvPicPr>
+            <a:picLocks noChangeAspect="1" noChangeArrowheads="1"/>
+          </p:cNvPicPr>
+          <p:nvPr/>
+        </p:nvPicPr>
+        <p:blipFill rotWithShape="1">
+          <a:blip r:embed="rId5">
+            <a:extLst>
+              <a:ext uri="{28A0092B-C50C-407E-A947-70E740481C1C}">
+                <a14:useLocalDpi xmlns:a14="http://schemas.microsoft.com/office/drawing/2010/main" val="0"/>
+              </a:ext>
+            </a:extLst>
+          </a:blip>
+          <a:srcRect l="54333" b="17478"/>
+          <a:stretch/>
+        </p:blipFill>
+        <p:spPr bwMode="auto">
+          <a:xfrm>
+            <a:off x="6215683" y="1107098"/>
+            <a:ext cx="2479583" cy="3828969"/>
+          </a:xfrm>
+          <a:prstGeom prst="rect">
+            <a:avLst/>
+          </a:prstGeom>
+          <a:noFill/>
+          <a:extLst>
+            <a:ext uri="{909E8E84-426E-40DD-AFC4-6F175D3DCCD1}">
+              <a14:hiddenFill xmlns:a14="http://schemas.microsoft.com/office/drawing/2010/main">
+                <a:solidFill>
+                  <a:srgbClr val="FFFFFF"/>
+                </a:solidFill>
+              </a14:hiddenFill>
+            </a:ext>
+          </a:extLst>
+        </p:spPr>
+      </p:pic>
     </p:spTree>
     <p:extLst>
       <p:ext uri="{BB962C8B-B14F-4D97-AF65-F5344CB8AC3E}">
@@ -15118,6 +15339,13 @@
   <p:clrMapOvr>
     <a:masterClrMapping/>
   </p:clrMapOvr>
+  <p:timing>
+    <p:tnLst>
+      <p:par>
+        <p:cTn id="1" dur="indefinite" restart="never" nodeType="tmRoot"/>
+      </p:par>
+    </p:tnLst>
+  </p:timing>
 </p:sld>
 </file>
 
@@ -15199,8 +15427,8 @@
           </a:p>
         </p:txBody>
       </p:sp>
-      <mc:AlternateContent xmlns:mc="http://schemas.openxmlformats.org/markup-compatibility/2006">
-        <mc:Choice xmlns:a14="http://schemas.microsoft.com/office/drawing/2010/main" Requires="a14">
+      <mc:AlternateContent xmlns:mc="http://schemas.openxmlformats.org/markup-compatibility/2006" xmlns:a14="http://schemas.microsoft.com/office/drawing/2010/main">
+        <mc:Choice Requires="a14">
           <p:sp>
             <p:nvSpPr>
               <p:cNvPr id="5" name="TextBox 4">
@@ -15404,7 +15632,7 @@
             </p:txBody>
           </p:sp>
         </mc:Choice>
-        <mc:Fallback>
+        <mc:Fallback xmlns="">
           <p:sp>
             <p:nvSpPr>
               <p:cNvPr id="5" name="TextBox 4">
@@ -15486,8 +15714,8 @@
           </a:p>
         </p:txBody>
       </p:sp>
-      <mc:AlternateContent xmlns:mc="http://schemas.openxmlformats.org/markup-compatibility/2006">
-        <mc:Choice xmlns:a14="http://schemas.microsoft.com/office/drawing/2010/main" Requires="a14">
+      <mc:AlternateContent xmlns:mc="http://schemas.openxmlformats.org/markup-compatibility/2006" xmlns:a14="http://schemas.microsoft.com/office/drawing/2010/main">
+        <mc:Choice Requires="a14">
           <p:sp>
             <p:nvSpPr>
               <p:cNvPr id="7" name="TextBox 6">
@@ -15776,7 +16004,7 @@
             </p:txBody>
           </p:sp>
         </mc:Choice>
-        <mc:Fallback>
+        <mc:Fallback xmlns="">
           <p:sp>
             <p:nvSpPr>
               <p:cNvPr id="7" name="TextBox 6">
@@ -15821,6 +16049,51 @@
           </p:sp>
         </mc:Fallback>
       </mc:AlternateContent>
+      <p:pic>
+        <p:nvPicPr>
+          <p:cNvPr id="8" name="Picture 1" descr="Ink Drawings&#10;Ink Drawings&#10;Ink Drawings&#10;Ink Drawings&#10;Ink Drawings&#10;Ink Drawings&#10;Ink Drawings&#10;Ink Drawings&#10;Ink Drawings&#10;Ink Drawings&#10;Ink Drawings&#10;Ink Drawings&#10;Ink Drawings&#10;Ink Drawings&#10;Ink Drawings&#10;Ink Drawings&#10;Ink Drawings&#10;Ink Drawings&#10;Ink Drawings&#10;Ink Drawings&#10;Ink Drawings&#10;Ink Drawings&#10;Ink Drawings&#10;Ink Drawings&#10;Ink Drawings&#10;Ink Drawings&#10;Ink Drawings&#10;Ink Drawings&#10;Ink Drawings&#10;Ink Drawings&#10;Ink Drawings&#10;Ink Drawings&#10;Ink Drawings&#10;Ink Drawings&#10;Ink Drawings&#10;Ink Drawings&#10;Ink Drawings&#10;Ink Drawings&#10;Ink Drawings&#10;Ink Drawings&#10;Ink Drawings&#10;Ink Drawings&#10;Ink Drawings&#10;Ink Drawings&#10;Ink Drawings&#10;Ink Drawings&#10;Ink Drawings&#10;Ink Drawings&#10;Ink Drawings&#10;Ink Drawings&#10;Ink Drawings&#10;Ink Drawings&#10;Ink Drawings&#10;Ink Drawings&#10;Ink Drawings&#10;Ink Drawings&#10;Ink Drawings&#10;Ink Drawings&#10;Ink Drawings&#10;Ink Drawings&#10;Ink Drawings&#10;Ink Drawings&#10;Ink Drawings&#10;Ink Drawings&#10;Ink Drawings&#10;Ink Drawings&#10;Ink Drawings&#10;Ink Drawings&#10;Ink Drawings&#10;Ink Drawings&#10;Ink Drawings&#10;Ink Drawings&#10;Ink Drawings&#10;Ink Drawings&#10;Ink Drawings&#10;Ink Drawings&#10;Ink Drawings&#10;Ink Drawings&#10;Ink Drawings&#10;Ink Drawings&#10;Ink Drawings&#10;Ink Drawings&#10;Ink Drawings&#10;Ink Drawings&#10;Ink Drawings&#10;Ink Drawings&#10;Ink Drawings&#10;Ink Drawings&#10;Ink Drawings&#10;Ink Drawings&#10;Ink Drawings&#10;Ink Drawings&#10;Ink Drawings&#10;Ink Drawings&#10;Ink Drawings&#10;Ink Drawings&#10;Ink Drawings&#10;Ink Drawings&#10;Ink Drawings&#10;Ink Drawings&#10;Ink Drawings&#10;Ink Drawings&#10;Ink Drawings&#10;Ink Drawings&#10;Ink Drawings&#10;Ink Drawings&#10;Ink Drawings&#10;Ink Drawings&#10;">
+            <a:extLst>
+              <a:ext uri="{FF2B5EF4-FFF2-40B4-BE49-F238E27FC236}">
+                <a16:creationId xmlns:a16="http://schemas.microsoft.com/office/drawing/2014/main" id="{1800F38F-0C0C-4BCB-989B-7FC23AFF1AF3}"/>
+              </a:ext>
+            </a:extLst>
+          </p:cNvPr>
+          <p:cNvPicPr>
+            <a:picLocks noChangeAspect="1" noChangeArrowheads="1"/>
+          </p:cNvPicPr>
+          <p:nvPr/>
+        </p:nvPicPr>
+        <p:blipFill rotWithShape="1">
+          <a:blip r:embed="rId4">
+            <a:extLst>
+              <a:ext uri="{28A0092B-C50C-407E-A947-70E740481C1C}">
+                <a14:useLocalDpi xmlns:a14="http://schemas.microsoft.com/office/drawing/2010/main" val="0"/>
+              </a:ext>
+            </a:extLst>
+          </a:blip>
+          <a:srcRect l="54333" b="17478"/>
+          <a:stretch/>
+        </p:blipFill>
+        <p:spPr bwMode="auto">
+          <a:xfrm>
+            <a:off x="6215683" y="1107098"/>
+            <a:ext cx="2479583" cy="3828969"/>
+          </a:xfrm>
+          <a:prstGeom prst="rect">
+            <a:avLst/>
+          </a:prstGeom>
+          <a:noFill/>
+          <a:extLst>
+            <a:ext uri="{909E8E84-426E-40DD-AFC4-6F175D3DCCD1}">
+              <a14:hiddenFill xmlns:a14="http://schemas.microsoft.com/office/drawing/2010/main">
+                <a:solidFill>
+                  <a:srgbClr val="FFFFFF"/>
+                </a:solidFill>
+              </a14:hiddenFill>
+            </a:ext>
+          </a:extLst>
+        </p:spPr>
+      </p:pic>
     </p:spTree>
     <p:extLst>
       <p:ext uri="{BB962C8B-B14F-4D97-AF65-F5344CB8AC3E}">
@@ -15831,6 +16104,13 @@
   <p:clrMapOvr>
     <a:masterClrMapping/>
   </p:clrMapOvr>
+  <p:timing>
+    <p:tnLst>
+      <p:par>
+        <p:cTn id="1" dur="indefinite" restart="never" nodeType="tmRoot"/>
+      </p:par>
+    </p:tnLst>
+  </p:timing>
 </p:sld>
 </file>
 
@@ -15884,8 +16164,8 @@
           </a:p>
         </p:txBody>
       </p:sp>
-      <mc:AlternateContent xmlns:mc="http://schemas.openxmlformats.org/markup-compatibility/2006">
-        <mc:Choice xmlns:a14="http://schemas.microsoft.com/office/drawing/2010/main" Requires="a14">
+      <mc:AlternateContent xmlns:mc="http://schemas.openxmlformats.org/markup-compatibility/2006" xmlns:a14="http://schemas.microsoft.com/office/drawing/2010/main">
+        <mc:Choice Requires="a14">
           <p:sp>
             <p:nvSpPr>
               <p:cNvPr id="4" name="TextBox 3">
@@ -16029,7 +16309,7 @@
             </p:txBody>
           </p:sp>
         </mc:Choice>
-        <mc:Fallback>
+        <mc:Fallback xmlns="">
           <p:sp>
             <p:nvSpPr>
               <p:cNvPr id="4" name="TextBox 3">
@@ -16121,8 +16401,8 @@
           </a:extLst>
         </p:spPr>
       </p:pic>
-      <mc:AlternateContent xmlns:mc="http://schemas.openxmlformats.org/markup-compatibility/2006">
-        <mc:Choice xmlns:a14="http://schemas.microsoft.com/office/drawing/2010/main" Requires="a14">
+      <mc:AlternateContent xmlns:mc="http://schemas.openxmlformats.org/markup-compatibility/2006" xmlns:a14="http://schemas.microsoft.com/office/drawing/2010/main">
+        <mc:Choice Requires="a14">
           <p:sp>
             <p:nvSpPr>
               <p:cNvPr id="8" name="TextBox 7">
@@ -16199,7 +16479,7 @@
             </p:txBody>
           </p:sp>
         </mc:Choice>
-        <mc:Fallback>
+        <mc:Fallback xmlns="">
           <p:sp>
             <p:nvSpPr>
               <p:cNvPr id="8" name="TextBox 7">
@@ -16244,8 +16524,8 @@
           </p:sp>
         </mc:Fallback>
       </mc:AlternateContent>
-      <mc:AlternateContent xmlns:mc="http://schemas.openxmlformats.org/markup-compatibility/2006">
-        <mc:Choice xmlns:a14="http://schemas.microsoft.com/office/drawing/2010/main" Requires="a14">
+      <mc:AlternateContent xmlns:mc="http://schemas.openxmlformats.org/markup-compatibility/2006" xmlns:a14="http://schemas.microsoft.com/office/drawing/2010/main">
+        <mc:Choice Requires="a14">
           <p:sp>
             <p:nvSpPr>
               <p:cNvPr id="9" name="TextBox 8">
@@ -16322,7 +16602,7 @@
             </p:txBody>
           </p:sp>
         </mc:Choice>
-        <mc:Fallback>
+        <mc:Fallback xmlns="">
           <p:sp>
             <p:nvSpPr>
               <p:cNvPr id="9" name="TextBox 8">
@@ -16471,6 +16751,13 @@
   <p:clrMapOvr>
     <a:masterClrMapping/>
   </p:clrMapOvr>
+  <p:timing>
+    <p:tnLst>
+      <p:par>
+        <p:cTn id="1" dur="indefinite" restart="never" nodeType="tmRoot"/>
+      </p:par>
+    </p:tnLst>
+  </p:timing>
 </p:sld>
 </file>
 
@@ -16557,8 +16844,8 @@
           </a:p>
         </p:txBody>
       </p:sp>
-      <mc:AlternateContent xmlns:mc="http://schemas.openxmlformats.org/markup-compatibility/2006">
-        <mc:Choice xmlns:a14="http://schemas.microsoft.com/office/drawing/2010/main" Requires="a14">
+      <mc:AlternateContent xmlns:mc="http://schemas.openxmlformats.org/markup-compatibility/2006" xmlns:a14="http://schemas.microsoft.com/office/drawing/2010/main">
+        <mc:Choice Requires="a14">
           <p:sp>
             <p:nvSpPr>
               <p:cNvPr id="4" name="TextBox 3">
@@ -16685,13 +16972,7 @@
                         <a:rPr lang="en-US" sz="2000" b="0" i="1" smtClean="0">
                           <a:latin typeface="Cambria Math" panose="02040503050406030204" pitchFamily="18" charset="0"/>
                         </a:rPr>
-                        <m:t>)</m:t>
-                      </m:r>
-                      <m:r>
-                        <a:rPr lang="en-US" sz="2000" b="0" i="1" smtClean="0">
-                          <a:latin typeface="Cambria Math" panose="02040503050406030204" pitchFamily="18" charset="0"/>
-                        </a:rPr>
-                        <m:t>=</m:t>
+                        <m:t>)=</m:t>
                       </m:r>
                       <m:sSub>
                         <m:sSubPr>
@@ -16982,7 +17263,7 @@
             </p:txBody>
           </p:sp>
         </mc:Choice>
-        <mc:Fallback>
+        <mc:Fallback xmlns="">
           <p:sp>
             <p:nvSpPr>
               <p:cNvPr id="4" name="TextBox 3">
@@ -17090,8 +17371,8 @@
           </a:p>
         </p:txBody>
       </p:sp>
-      <mc:AlternateContent xmlns:mc="http://schemas.openxmlformats.org/markup-compatibility/2006">
-        <mc:Choice xmlns:a14="http://schemas.microsoft.com/office/drawing/2010/main" Requires="a14">
+      <mc:AlternateContent xmlns:mc="http://schemas.openxmlformats.org/markup-compatibility/2006" xmlns:a14="http://schemas.microsoft.com/office/drawing/2010/main">
+        <mc:Choice Requires="a14">
           <p:sp>
             <p:nvSpPr>
               <p:cNvPr id="4" name="TextBox 3">
@@ -17285,7 +17566,7 @@
             </p:txBody>
           </p:sp>
         </mc:Choice>
-        <mc:Fallback>
+        <mc:Fallback xmlns="">
           <p:sp>
             <p:nvSpPr>
               <p:cNvPr id="4" name="TextBox 3">
@@ -17330,8 +17611,8 @@
           </p:sp>
         </mc:Fallback>
       </mc:AlternateContent>
-      <mc:AlternateContent xmlns:mc="http://schemas.openxmlformats.org/markup-compatibility/2006">
-        <mc:Choice xmlns:a14="http://schemas.microsoft.com/office/drawing/2010/main" Requires="a14">
+      <mc:AlternateContent xmlns:mc="http://schemas.openxmlformats.org/markup-compatibility/2006" xmlns:a14="http://schemas.microsoft.com/office/drawing/2010/main">
+        <mc:Choice Requires="a14">
           <p:sp>
             <p:nvSpPr>
               <p:cNvPr id="9" name="TextBox 8">
@@ -17721,7 +18002,7 @@
             </p:txBody>
           </p:sp>
         </mc:Choice>
-        <mc:Fallback>
+        <mc:Fallback xmlns="">
           <p:sp>
             <p:nvSpPr>
               <p:cNvPr id="9" name="TextBox 8">
@@ -17770,89 +18051,6 @@
     <p:extLst>
       <p:ext uri="{BB962C8B-B14F-4D97-AF65-F5344CB8AC3E}">
         <p14:creationId xmlns:p14="http://schemas.microsoft.com/office/powerpoint/2010/main" val="2603587445"/>
-      </p:ext>
-    </p:extLst>
-  </p:cSld>
-  <p:clrMapOvr>
-    <a:masterClrMapping/>
-  </p:clrMapOvr>
-</p:sld>
-</file>
-
-<file path=ppt/slides/slide26.xml><?xml version="1.0" encoding="utf-8"?>
-<p:sld xmlns:a="http://schemas.openxmlformats.org/drawingml/2006/main" xmlns:r="http://schemas.openxmlformats.org/officeDocument/2006/relationships" xmlns:p="http://schemas.openxmlformats.org/presentationml/2006/main">
-  <p:cSld>
-    <p:spTree>
-      <p:nvGrpSpPr>
-        <p:cNvPr id="1" name=""/>
-        <p:cNvGrpSpPr/>
-        <p:nvPr/>
-      </p:nvGrpSpPr>
-      <p:grpSpPr>
-        <a:xfrm>
-          <a:off x="0" y="0"/>
-          <a:ext cx="0" cy="0"/>
-          <a:chOff x="0" y="0"/>
-          <a:chExt cx="0" cy="0"/>
-        </a:xfrm>
-      </p:grpSpPr>
-      <p:sp>
-        <p:nvSpPr>
-          <p:cNvPr id="2" name="Text Placeholder 1">
-            <a:extLst>
-              <a:ext uri="{FF2B5EF4-FFF2-40B4-BE49-F238E27FC236}">
-                <a16:creationId xmlns:a16="http://schemas.microsoft.com/office/drawing/2014/main" id="{85746E32-AA50-3145-89AB-C7885ACE5305}"/>
-              </a:ext>
-            </a:extLst>
-          </p:cNvPr>
-          <p:cNvSpPr>
-            <a:spLocks noGrp="1"/>
-          </p:cNvSpPr>
-          <p:nvPr>
-            <p:ph type="body" sz="quarter" idx="14"/>
-          </p:nvPr>
-        </p:nvSpPr>
-        <p:spPr/>
-        <p:txBody>
-          <a:bodyPr/>
-          <a:lstStyle/>
-          <a:p>
-            <a:endParaRPr lang="en-US"/>
-          </a:p>
-        </p:txBody>
-      </p:sp>
-      <p:sp>
-        <p:nvSpPr>
-          <p:cNvPr id="3" name="Title 2">
-            <a:extLst>
-              <a:ext uri="{FF2B5EF4-FFF2-40B4-BE49-F238E27FC236}">
-                <a16:creationId xmlns:a16="http://schemas.microsoft.com/office/drawing/2014/main" id="{692BABB7-B05D-C946-BC69-4D07FB935931}"/>
-              </a:ext>
-            </a:extLst>
-          </p:cNvPr>
-          <p:cNvSpPr>
-            <a:spLocks noGrp="1"/>
-          </p:cNvSpPr>
-          <p:nvPr>
-            <p:ph type="title"/>
-          </p:nvPr>
-        </p:nvSpPr>
-        <p:spPr/>
-        <p:txBody>
-          <a:bodyPr/>
-          <a:lstStyle/>
-          <a:p>
-            <a:r>
-              <a:rPr lang="en-US" dirty="0"/>
-              <a:t>If the y positions of the start and end points are equal…</a:t>
-            </a:r>
-          </a:p>
-        </p:txBody>
-      </p:sp>
-    </p:spTree>
-    <p:extLst>
-      <p:ext uri="{BB962C8B-B14F-4D97-AF65-F5344CB8AC3E}">
-        <p14:creationId xmlns:p14="http://schemas.microsoft.com/office/powerpoint/2010/main" val="1671056569"/>
       </p:ext>
     </p:extLst>
   </p:cSld>
@@ -17952,30 +18150,30 @@
                       <m:sSub>
                         <m:sSubPr>
                           <m:ctrlPr>
-                            <a:rPr lang="en-US" sz="2000" b="1" i="1" smtClean="0">
+                            <a:rPr lang="en-US" sz="2000" i="1" smtClean="0">
                               <a:latin typeface="Cambria Math" panose="02040503050406030204" pitchFamily="18" charset="0"/>
                             </a:rPr>
                           </m:ctrlPr>
                         </m:sSubPr>
                         <m:e>
                           <m:r>
-                            <a:rPr lang="en-US" sz="2000" b="1" i="1" smtClean="0">
-                              <a:latin typeface="Cambria Math" panose="02040503050406030204" pitchFamily="18" charset="0"/>
-                            </a:rPr>
-                            <m:t>𝒕</m:t>
+                            <a:rPr lang="en-US" sz="2000" b="0" i="1" smtClean="0">
+                              <a:latin typeface="Cambria Math" panose="02040503050406030204" pitchFamily="18" charset="0"/>
+                            </a:rPr>
+                            <m:t>𝑡</m:t>
                           </m:r>
                         </m:e>
                         <m:sub>
                           <m:r>
-                            <a:rPr lang="en-US" sz="2000" b="1" i="1" smtClean="0">
-                              <a:latin typeface="Cambria Math" panose="02040503050406030204" pitchFamily="18" charset="0"/>
-                            </a:rPr>
-                            <m:t>𝒕𝒐𝒕</m:t>
+                            <a:rPr lang="en-US" sz="2000" b="0" i="1" smtClean="0">
+                              <a:latin typeface="Cambria Math" panose="02040503050406030204" pitchFamily="18" charset="0"/>
+                            </a:rPr>
+                            <m:t>𝑡𝑜𝑡</m:t>
                           </m:r>
                         </m:sub>
                       </m:sSub>
                       <m:r>
-                        <a:rPr lang="en-US" sz="2000" b="1" i="1" smtClean="0">
+                        <a:rPr lang="en-US" sz="2000" b="0" i="1" smtClean="0">
                           <a:latin typeface="Cambria Math" panose="02040503050406030204" pitchFamily="18" charset="0"/>
                         </a:rPr>
                         <m:t>(</m:t>
@@ -17983,30 +18181,30 @@
                       <m:sSub>
                         <m:sSubPr>
                           <m:ctrlPr>
-                            <a:rPr lang="en-US" sz="2000" b="1" i="1" smtClean="0">
+                            <a:rPr lang="en-US" sz="2000" i="1" smtClean="0">
                               <a:latin typeface="Cambria Math" panose="02040503050406030204" pitchFamily="18" charset="0"/>
                             </a:rPr>
                           </m:ctrlPr>
                         </m:sSubPr>
                         <m:e>
                           <m:r>
-                            <a:rPr lang="en-US" sz="2000" b="1" i="1" smtClean="0">
-                              <a:latin typeface="Cambria Math" panose="02040503050406030204" pitchFamily="18" charset="0"/>
-                            </a:rPr>
-                            <m:t>𝒙</m:t>
+                            <a:rPr lang="en-US" sz="2000" b="0" i="1" smtClean="0">
+                              <a:latin typeface="Cambria Math" panose="02040503050406030204" pitchFamily="18" charset="0"/>
+                            </a:rPr>
+                            <m:t>𝑥</m:t>
                           </m:r>
                         </m:e>
                         <m:sub>
                           <m:r>
-                            <a:rPr lang="en-US" sz="2000" b="1" i="1" smtClean="0">
-                              <a:latin typeface="Cambria Math" panose="02040503050406030204" pitchFamily="18" charset="0"/>
-                            </a:rPr>
-                            <m:t>𝒄</m:t>
+                            <a:rPr lang="en-US" sz="2000" b="0" i="1" smtClean="0">
+                              <a:latin typeface="Cambria Math" panose="02040503050406030204" pitchFamily="18" charset="0"/>
+                            </a:rPr>
+                            <m:t>𝑐</m:t>
                           </m:r>
                         </m:sub>
                       </m:sSub>
                       <m:r>
-                        <a:rPr lang="en-US" sz="2000" b="1" i="1" smtClean="0">
+                        <a:rPr lang="en-US" sz="2000" b="0" i="1" smtClean="0">
                           <a:latin typeface="Cambria Math" panose="02040503050406030204" pitchFamily="18" charset="0"/>
                         </a:rPr>
                         <m:t>,</m:t>
@@ -18014,30 +18212,30 @@
                       <m:sSub>
                         <m:sSubPr>
                           <m:ctrlPr>
-                            <a:rPr lang="en-US" sz="2000" b="1" i="1" smtClean="0">
+                            <a:rPr lang="en-US" sz="2000" i="1" smtClean="0">
                               <a:latin typeface="Cambria Math" panose="02040503050406030204" pitchFamily="18" charset="0"/>
                             </a:rPr>
                           </m:ctrlPr>
                         </m:sSubPr>
                         <m:e>
                           <m:r>
-                            <a:rPr lang="en-US" sz="2000" b="1" i="1" smtClean="0">
-                              <a:latin typeface="Cambria Math" panose="02040503050406030204" pitchFamily="18" charset="0"/>
-                            </a:rPr>
-                            <m:t>𝒚</m:t>
+                            <a:rPr lang="en-US" sz="2000" b="0" i="1" smtClean="0">
+                              <a:latin typeface="Cambria Math" panose="02040503050406030204" pitchFamily="18" charset="0"/>
+                            </a:rPr>
+                            <m:t>𝑦</m:t>
                           </m:r>
                         </m:e>
                         <m:sub>
                           <m:r>
-                            <a:rPr lang="en-US" sz="2000" b="1" i="1" smtClean="0">
-                              <a:latin typeface="Cambria Math" panose="02040503050406030204" pitchFamily="18" charset="0"/>
-                            </a:rPr>
-                            <m:t>𝒄</m:t>
+                            <a:rPr lang="en-US" sz="2000" b="0" i="1" smtClean="0">
+                              <a:latin typeface="Cambria Math" panose="02040503050406030204" pitchFamily="18" charset="0"/>
+                            </a:rPr>
+                            <m:t>𝑐</m:t>
                           </m:r>
                         </m:sub>
                       </m:sSub>
                       <m:r>
-                        <a:rPr lang="en-US" sz="2000" b="1" i="1" smtClean="0">
+                        <a:rPr lang="en-US" sz="2000" b="0" i="1" smtClean="0">
                           <a:latin typeface="Cambria Math" panose="02040503050406030204" pitchFamily="18" charset="0"/>
                         </a:rPr>
                         <m:t>)</m:t>
@@ -18045,7 +18243,7 @@
                     </m:oMath>
                   </m:oMathPara>
                 </a14:m>
-                <a:endParaRPr lang="en-US" sz="2000" b="1" dirty="0">
+                <a:endParaRPr lang="en-US" sz="2000" dirty="0">
                   <a:latin typeface="Calibri" panose="020F0502020204030204" pitchFamily="34" charset="0"/>
                 </a:endParaRPr>
               </a:p>
@@ -18078,7 +18276,7 @@
               <a:blipFill>
                 <a:blip r:embed="rId2"/>
                 <a:stretch>
-                  <a:fillRect l="-3883" t="-1961" r="-7767" b="-33333"/>
+                  <a:fillRect l="-2427" t="-1961" r="-6311" b="-33333"/>
                 </a:stretch>
               </a:blipFill>
             </p:spPr>
@@ -18144,6 +18342,13 @@
   <p:clrMapOvr>
     <a:masterClrMapping/>
   </p:clrMapOvr>
+  <p:timing>
+    <p:tnLst>
+      <p:par>
+        <p:cTn id="1" dur="indefinite" restart="never" nodeType="tmRoot"/>
+      </p:par>
+    </p:tnLst>
+  </p:timing>
 </p:sld>
 </file>
 
@@ -18791,6 +18996,13 @@
   <p:clrMapOvr>
     <a:masterClrMapping/>
   </p:clrMapOvr>
+  <p:timing>
+    <p:tnLst>
+      <p:par>
+        <p:cTn id="1" dur="indefinite" restart="never" nodeType="tmRoot"/>
+      </p:par>
+    </p:tnLst>
+  </p:timing>
 </p:sld>
 </file>
 
@@ -18847,8 +19059,8 @@
           </a:p>
         </p:txBody>
       </p:sp>
-      <mc:AlternateContent xmlns:mc="http://schemas.openxmlformats.org/markup-compatibility/2006">
-        <mc:Choice xmlns:a14="http://schemas.microsoft.com/office/drawing/2010/main" Requires="a14">
+      <mc:AlternateContent xmlns:mc="http://schemas.openxmlformats.org/markup-compatibility/2006" xmlns:a14="http://schemas.microsoft.com/office/drawing/2010/main">
+        <mc:Choice Requires="a14">
           <p:sp>
             <p:nvSpPr>
               <p:cNvPr id="8" name="TextBox 7">
@@ -18973,7 +19185,7 @@
             </p:txBody>
           </p:sp>
         </mc:Choice>
-        <mc:Fallback>
+        <mc:Fallback xmlns="">
           <p:sp>
             <p:nvSpPr>
               <p:cNvPr id="8" name="TextBox 7">
@@ -19075,6 +19287,13 @@
   <p:clrMapOvr>
     <a:masterClrMapping/>
   </p:clrMapOvr>
+  <p:timing>
+    <p:tnLst>
+      <p:par>
+        <p:cTn id="1" dur="indefinite" restart="never" nodeType="tmRoot"/>
+      </p:par>
+    </p:tnLst>
+  </p:timing>
 </p:sld>
 </file>
 
@@ -19867,8 +20086,8 @@
           </p:sp>
         </mc:Fallback>
       </mc:AlternateContent>
-      <mc:AlternateContent xmlns:mc="http://schemas.openxmlformats.org/markup-compatibility/2006">
-        <mc:Choice xmlns:a14="http://schemas.microsoft.com/office/drawing/2010/main" Requires="a14">
+      <mc:AlternateContent xmlns:mc="http://schemas.openxmlformats.org/markup-compatibility/2006" xmlns:a14="http://schemas.microsoft.com/office/drawing/2010/main">
+        <mc:Choice Requires="a14">
           <p:sp>
             <p:nvSpPr>
               <p:cNvPr id="8" name="TextBox 7">
@@ -20043,7 +20262,7 @@
             </p:txBody>
           </p:sp>
         </mc:Choice>
-        <mc:Fallback>
+        <mc:Fallback xmlns="">
           <p:sp>
             <p:nvSpPr>
               <p:cNvPr id="8" name="TextBox 7">
@@ -20125,8 +20344,8 @@
           </a:p>
         </p:txBody>
       </p:sp>
-      <mc:AlternateContent xmlns:mc="http://schemas.openxmlformats.org/markup-compatibility/2006">
-        <mc:Choice xmlns:a14="http://schemas.microsoft.com/office/drawing/2010/main" Requires="a14">
+      <mc:AlternateContent xmlns:mc="http://schemas.openxmlformats.org/markup-compatibility/2006" xmlns:a14="http://schemas.microsoft.com/office/drawing/2010/main">
+        <mc:Choice Requires="a14">
           <p:sp>
             <p:nvSpPr>
               <p:cNvPr id="10" name="TextBox 9">
@@ -20286,7 +20505,7 @@
             </p:txBody>
           </p:sp>
         </mc:Choice>
-        <mc:Fallback>
+        <mc:Fallback xmlns="">
           <p:sp>
             <p:nvSpPr>
               <p:cNvPr id="10" name="TextBox 9">
@@ -20341,6 +20560,13 @@
   <p:clrMapOvr>
     <a:masterClrMapping/>
   </p:clrMapOvr>
+  <p:timing>
+    <p:tnLst>
+      <p:par>
+        <p:cTn id="1" dur="indefinite" restart="never" nodeType="tmRoot"/>
+      </p:par>
+    </p:tnLst>
+  </p:timing>
 </p:sld>
 </file>
 
@@ -20394,8 +20620,8 @@
           </a:p>
         </p:txBody>
       </p:sp>
-      <mc:AlternateContent xmlns:mc="http://schemas.openxmlformats.org/markup-compatibility/2006">
-        <mc:Choice xmlns:a14="http://schemas.microsoft.com/office/drawing/2010/main" Requires="a14">
+      <mc:AlternateContent xmlns:mc="http://schemas.openxmlformats.org/markup-compatibility/2006" xmlns:a14="http://schemas.microsoft.com/office/drawing/2010/main">
+        <mc:Choice Requires="a14">
           <p:sp>
             <p:nvSpPr>
               <p:cNvPr id="4" name="TextBox 3">
@@ -20539,7 +20765,7 @@
             </p:txBody>
           </p:sp>
         </mc:Choice>
-        <mc:Fallback>
+        <mc:Fallback xmlns="">
           <p:sp>
             <p:nvSpPr>
               <p:cNvPr id="4" name="TextBox 3">
@@ -20641,6 +20867,13 @@
   <p:clrMapOvr>
     <a:masterClrMapping/>
   </p:clrMapOvr>
+  <p:timing>
+    <p:tnLst>
+      <p:par>
+        <p:cTn id="1" dur="indefinite" restart="never" nodeType="tmRoot"/>
+      </p:par>
+    </p:tnLst>
+  </p:timing>
 </p:sld>
 </file>
 
@@ -20774,8 +21007,8 @@
           </a:extLst>
         </p:spPr>
       </p:pic>
-      <mc:AlternateContent xmlns:mc="http://schemas.openxmlformats.org/markup-compatibility/2006">
-        <mc:Choice xmlns:a14="http://schemas.microsoft.com/office/drawing/2010/main" Requires="a14">
+      <mc:AlternateContent xmlns:mc="http://schemas.openxmlformats.org/markup-compatibility/2006" xmlns:a14="http://schemas.microsoft.com/office/drawing/2010/main">
+        <mc:Choice Requires="a14">
           <p:sp>
             <p:nvSpPr>
               <p:cNvPr id="5" name="TextBox 4">
@@ -20997,7 +21230,7 @@
             </p:txBody>
           </p:sp>
         </mc:Choice>
-        <mc:Fallback>
+        <mc:Fallback xmlns="">
           <p:sp>
             <p:nvSpPr>
               <p:cNvPr id="5" name="TextBox 4">
@@ -21079,8 +21312,8 @@
           </a:p>
         </p:txBody>
       </p:sp>
-      <mc:AlternateContent xmlns:mc="http://schemas.openxmlformats.org/markup-compatibility/2006">
-        <mc:Choice xmlns:a14="http://schemas.microsoft.com/office/drawing/2010/main" Requires="a14">
+      <mc:AlternateContent xmlns:mc="http://schemas.openxmlformats.org/markup-compatibility/2006" xmlns:a14="http://schemas.microsoft.com/office/drawing/2010/main">
+        <mc:Choice Requires="a14">
           <p:sp>
             <p:nvSpPr>
               <p:cNvPr id="7" name="TextBox 6">
@@ -21301,7 +21534,7 @@
             </p:txBody>
           </p:sp>
         </mc:Choice>
-        <mc:Fallback>
+        <mc:Fallback xmlns="">
           <p:sp>
             <p:nvSpPr>
               <p:cNvPr id="7" name="TextBox 6">
@@ -21356,6 +21589,13 @@
   <p:clrMapOvr>
     <a:masterClrMapping/>
   </p:clrMapOvr>
+  <p:timing>
+    <p:tnLst>
+      <p:par>
+        <p:cTn id="1" dur="indefinite" restart="never" nodeType="tmRoot"/>
+      </p:par>
+    </p:tnLst>
+  </p:timing>
 </p:sld>
 </file>
 
@@ -21409,8 +21649,8 @@
           </a:p>
         </p:txBody>
       </p:sp>
-      <mc:AlternateContent xmlns:mc="http://schemas.openxmlformats.org/markup-compatibility/2006">
-        <mc:Choice xmlns:a14="http://schemas.microsoft.com/office/drawing/2010/main" Requires="a14">
+      <mc:AlternateContent xmlns:mc="http://schemas.openxmlformats.org/markup-compatibility/2006" xmlns:a14="http://schemas.microsoft.com/office/drawing/2010/main">
+        <mc:Choice Requires="a14">
           <p:sp>
             <p:nvSpPr>
               <p:cNvPr id="4" name="TextBox 3">
@@ -21554,7 +21794,7 @@
             </p:txBody>
           </p:sp>
         </mc:Choice>
-        <mc:Fallback>
+        <mc:Fallback xmlns="">
           <p:sp>
             <p:nvSpPr>
               <p:cNvPr id="4" name="TextBox 3">
@@ -21599,8 +21839,8 @@
           </p:sp>
         </mc:Fallback>
       </mc:AlternateContent>
-      <mc:AlternateContent xmlns:mc="http://schemas.openxmlformats.org/markup-compatibility/2006">
-        <mc:Choice xmlns:a14="http://schemas.microsoft.com/office/drawing/2010/main" Requires="a14">
+      <mc:AlternateContent xmlns:mc="http://schemas.openxmlformats.org/markup-compatibility/2006" xmlns:a14="http://schemas.microsoft.com/office/drawing/2010/main">
+        <mc:Choice Requires="a14">
           <p:sp>
             <p:nvSpPr>
               <p:cNvPr id="5" name="TextBox 4">
@@ -21744,7 +21984,7 @@
             </p:txBody>
           </p:sp>
         </mc:Choice>
-        <mc:Fallback>
+        <mc:Fallback xmlns="">
           <p:sp>
             <p:nvSpPr>
               <p:cNvPr id="5" name="TextBox 4">
@@ -21883,8 +22123,8 @@
           </a:extLst>
         </p:spPr>
       </p:pic>
-      <mc:AlternateContent xmlns:mc="http://schemas.openxmlformats.org/markup-compatibility/2006">
-        <mc:Choice xmlns:a14="http://schemas.microsoft.com/office/drawing/2010/main" Requires="a14">
+      <mc:AlternateContent xmlns:mc="http://schemas.openxmlformats.org/markup-compatibility/2006" xmlns:a14="http://schemas.microsoft.com/office/drawing/2010/main">
+        <mc:Choice Requires="a14">
           <p:sp>
             <p:nvSpPr>
               <p:cNvPr id="15" name="TextBox 14">
@@ -21961,7 +22201,7 @@
             </p:txBody>
           </p:sp>
         </mc:Choice>
-        <mc:Fallback>
+        <mc:Fallback xmlns="">
           <p:sp>
             <p:nvSpPr>
               <p:cNvPr id="15" name="TextBox 14">
@@ -22006,8 +22246,8 @@
           </p:sp>
         </mc:Fallback>
       </mc:AlternateContent>
-      <mc:AlternateContent xmlns:mc="http://schemas.openxmlformats.org/markup-compatibility/2006">
-        <mc:Choice xmlns:a14="http://schemas.microsoft.com/office/drawing/2010/main" Requires="a14">
+      <mc:AlternateContent xmlns:mc="http://schemas.openxmlformats.org/markup-compatibility/2006" xmlns:a14="http://schemas.microsoft.com/office/drawing/2010/main">
+        <mc:Choice Requires="a14">
           <p:sp>
             <p:nvSpPr>
               <p:cNvPr id="16" name="TextBox 15">
@@ -22084,7 +22324,7 @@
             </p:txBody>
           </p:sp>
         </mc:Choice>
-        <mc:Fallback>
+        <mc:Fallback xmlns="">
           <p:sp>
             <p:nvSpPr>
               <p:cNvPr id="16" name="TextBox 15">
@@ -22129,8 +22369,8 @@
           </p:sp>
         </mc:Fallback>
       </mc:AlternateContent>
-      <mc:AlternateContent xmlns:mc="http://schemas.openxmlformats.org/markup-compatibility/2006">
-        <mc:Choice xmlns:a14="http://schemas.microsoft.com/office/drawing/2010/main" Requires="a14">
+      <mc:AlternateContent xmlns:mc="http://schemas.openxmlformats.org/markup-compatibility/2006" xmlns:a14="http://schemas.microsoft.com/office/drawing/2010/main">
+        <mc:Choice Requires="a14">
           <p:sp>
             <p:nvSpPr>
               <p:cNvPr id="18" name="TextBox 17">
@@ -22207,7 +22447,7 @@
             </p:txBody>
           </p:sp>
         </mc:Choice>
-        <mc:Fallback>
+        <mc:Fallback xmlns="">
           <p:sp>
             <p:nvSpPr>
               <p:cNvPr id="18" name="TextBox 17">
@@ -22356,6 +22596,13 @@
   <p:clrMapOvr>
     <a:masterClrMapping/>
   </p:clrMapOvr>
+  <p:timing>
+    <p:tnLst>
+      <p:par>
+        <p:cTn id="1" dur="indefinite" restart="never" nodeType="tmRoot"/>
+      </p:par>
+    </p:tnLst>
+  </p:timing>
 </p:sld>
 </file>
 

--- a/Misc/Optimal_Arc_Analysis.pptx
+++ b/Misc/Optimal_Arc_Analysis.pptx
@@ -13027,8 +13027,8 @@
           <a:chExt cx="0" cy="0"/>
         </a:xfrm>
       </p:grpSpPr>
-      <mc:AlternateContent xmlns:mc="http://schemas.openxmlformats.org/markup-compatibility/2006">
-        <mc:Choice xmlns:a14="http://schemas.microsoft.com/office/drawing/2010/main" Requires="a14">
+      <mc:AlternateContent xmlns:mc="http://schemas.openxmlformats.org/markup-compatibility/2006" xmlns:a14="http://schemas.microsoft.com/office/drawing/2010/main">
+        <mc:Choice Requires="a14">
           <p:sp>
             <p:nvSpPr>
               <p:cNvPr id="2" name="Text Placeholder 1">
@@ -13491,7 +13491,7 @@
             </p:txBody>
           </p:sp>
         </mc:Choice>
-        <mc:Fallback>
+        <mc:Fallback xmlns="">
           <p:sp>
             <p:nvSpPr>
               <p:cNvPr id="2" name="Text Placeholder 1">
@@ -18110,8 +18110,8 @@
           </a:p>
         </p:txBody>
       </p:sp>
-      <mc:AlternateContent xmlns:mc="http://schemas.openxmlformats.org/markup-compatibility/2006">
-        <mc:Choice xmlns:a14="http://schemas.microsoft.com/office/drawing/2010/main" Requires="a14">
+      <mc:AlternateContent xmlns:mc="http://schemas.openxmlformats.org/markup-compatibility/2006" xmlns:a14="http://schemas.microsoft.com/office/drawing/2010/main">
+        <mc:Choice Requires="a14">
           <p:sp>
             <p:nvSpPr>
               <p:cNvPr id="6" name="TextBox 5">
@@ -18250,7 +18250,7 @@
             </p:txBody>
           </p:sp>
         </mc:Choice>
-        <mc:Fallback>
+        <mc:Fallback xmlns="">
           <p:sp>
             <p:nvSpPr>
               <p:cNvPr id="6" name="TextBox 5">
